--- a/präsentation_ms1.pptx
+++ b/präsentation_ms1.pptx
@@ -307,7 +307,7 @@
             <a:fld id="{B61BEF0D-F0BB-DE4B-95CE-6DB70DBA9567}" type="datetimeFigureOut">
               <a:rPr lang="en-US" smtClean="0"/>
               <a:pPr/>
-              <a:t>5/6/2019</a:t>
+              <a:t>5/7/2019</a:t>
             </a:fld>
             <a:endParaRPr lang="en-US" dirty="0"/>
           </a:p>
@@ -507,7 +507,7 @@
             <a:fld id="{B61BEF0D-F0BB-DE4B-95CE-6DB70DBA9567}" type="datetimeFigureOut">
               <a:rPr lang="en-US" smtClean="0"/>
               <a:pPr/>
-              <a:t>5/6/2019</a:t>
+              <a:t>5/7/2019</a:t>
             </a:fld>
             <a:endParaRPr lang="en-US" dirty="0"/>
           </a:p>
@@ -717,7 +717,7 @@
             <a:fld id="{B61BEF0D-F0BB-DE4B-95CE-6DB70DBA9567}" type="datetimeFigureOut">
               <a:rPr lang="en-US" smtClean="0"/>
               <a:pPr/>
-              <a:t>5/6/2019</a:t>
+              <a:t>5/7/2019</a:t>
             </a:fld>
             <a:endParaRPr lang="en-US" dirty="0"/>
           </a:p>
@@ -917,7 +917,7 @@
             <a:fld id="{B61BEF0D-F0BB-DE4B-95CE-6DB70DBA9567}" type="datetimeFigureOut">
               <a:rPr lang="en-US" smtClean="0"/>
               <a:pPr/>
-              <a:t>5/6/2019</a:t>
+              <a:t>5/7/2019</a:t>
             </a:fld>
             <a:endParaRPr lang="en-US" dirty="0"/>
           </a:p>
@@ -1194,7 +1194,7 @@
             <a:fld id="{B61BEF0D-F0BB-DE4B-95CE-6DB70DBA9567}" type="datetimeFigureOut">
               <a:rPr lang="en-US" smtClean="0"/>
               <a:pPr/>
-              <a:t>5/6/2019</a:t>
+              <a:t>5/7/2019</a:t>
             </a:fld>
             <a:endParaRPr lang="en-US" dirty="0"/>
           </a:p>
@@ -1461,7 +1461,7 @@
             <a:fld id="{B61BEF0D-F0BB-DE4B-95CE-6DB70DBA9567}" type="datetimeFigureOut">
               <a:rPr lang="en-US" smtClean="0"/>
               <a:pPr/>
-              <a:t>5/6/2019</a:t>
+              <a:t>5/7/2019</a:t>
             </a:fld>
             <a:endParaRPr lang="en-US" dirty="0"/>
           </a:p>
@@ -1875,7 +1875,7 @@
             <a:fld id="{B61BEF0D-F0BB-DE4B-95CE-6DB70DBA9567}" type="datetimeFigureOut">
               <a:rPr lang="en-US" smtClean="0"/>
               <a:pPr/>
-              <a:t>5/6/2019</a:t>
+              <a:t>5/7/2019</a:t>
             </a:fld>
             <a:endParaRPr lang="en-US" dirty="0"/>
           </a:p>
@@ -2018,7 +2018,7 @@
             <a:fld id="{B61BEF0D-F0BB-DE4B-95CE-6DB70DBA9567}" type="datetimeFigureOut">
               <a:rPr lang="en-US" smtClean="0"/>
               <a:pPr/>
-              <a:t>5/6/2019</a:t>
+              <a:t>5/7/2019</a:t>
             </a:fld>
             <a:endParaRPr lang="en-US" dirty="0"/>
           </a:p>
@@ -2133,7 +2133,7 @@
             <a:fld id="{B61BEF0D-F0BB-DE4B-95CE-6DB70DBA9567}" type="datetimeFigureOut">
               <a:rPr lang="en-US" smtClean="0"/>
               <a:pPr/>
-              <a:t>5/6/2019</a:t>
+              <a:t>5/7/2019</a:t>
             </a:fld>
             <a:endParaRPr lang="en-US" dirty="0"/>
           </a:p>
@@ -2446,7 +2446,7 @@
             <a:fld id="{B61BEF0D-F0BB-DE4B-95CE-6DB70DBA9567}" type="datetimeFigureOut">
               <a:rPr lang="en-US" smtClean="0"/>
               <a:pPr/>
-              <a:t>5/6/2019</a:t>
+              <a:t>5/7/2019</a:t>
             </a:fld>
             <a:endParaRPr lang="en-US" dirty="0"/>
           </a:p>
@@ -2736,7 +2736,7 @@
             <a:fld id="{B61BEF0D-F0BB-DE4B-95CE-6DB70DBA9567}" type="datetimeFigureOut">
               <a:rPr lang="en-US" smtClean="0"/>
               <a:pPr/>
-              <a:t>5/6/2019</a:t>
+              <a:t>5/7/2019</a:t>
             </a:fld>
             <a:endParaRPr lang="en-US" dirty="0"/>
           </a:p>
@@ -2979,7 +2979,7 @@
             <a:fld id="{B61BEF0D-F0BB-DE4B-95CE-6DB70DBA9567}" type="datetimeFigureOut">
               <a:rPr lang="en-US" smtClean="0"/>
               <a:pPr/>
-              <a:t>5/6/2019</a:t>
+              <a:t>5/7/2019</a:t>
             </a:fld>
             <a:endParaRPr lang="en-US" dirty="0"/>
           </a:p>
@@ -4119,7 +4119,7 @@
             </a:pPr>
             <a:r>
               <a:rPr lang="de-DE" dirty="0"/>
-              <a:t>Es sind noch Lebensmittel im Kühlschrank übrig und es ist nicht bekannt, was aus diesen an Gerichten zubereitet werden könnte. Welche Nährwerte weisen die Lebensmittel bzw. Gerichte auf? </a:t>
+              <a:t>Es sind noch Lebensmittel im Haushalt übrig und es ist nicht bekannt, was aus diesen an Gerichten zubereitet werden könnte. Welche Nährwerte weisen die Lebensmittel bzw. Gerichte auf? </a:t>
             </a:r>
           </a:p>
         </p:txBody>

--- a/präsentation_ms1.pptx
+++ b/präsentation_ms1.pptx
@@ -3773,10 +3773,10 @@
       </p:grpSpPr>
       <p:pic>
         <p:nvPicPr>
-          <p:cNvPr id="6" name="Grafik 5">
-            <a:extLst>
-              <a:ext uri="{FF2B5EF4-FFF2-40B4-BE49-F238E27FC236}">
-                <a16:creationId xmlns:a16="http://schemas.microsoft.com/office/drawing/2014/main" id="{AD1C9699-E127-43F5-9E2E-6EA429FCCD9D}"/>
+          <p:cNvPr id="2" name="Grafik 1">
+            <a:extLst>
+              <a:ext uri="{FF2B5EF4-FFF2-40B4-BE49-F238E27FC236}">
+                <a16:creationId xmlns:a16="http://schemas.microsoft.com/office/drawing/2014/main" id="{D0657241-609D-4563-9D21-B29F86845A7D}"/>
               </a:ext>
             </a:extLst>
           </p:cNvPr>
@@ -3787,13 +3787,13 @@
         </p:nvPicPr>
         <p:blipFill rotWithShape="1">
           <a:blip r:embed="rId2"/>
-          <a:srcRect l="7982" t="15902" r="12270" b="6056"/>
+          <a:srcRect l="19821" t="15375" r="6404" b="6122"/>
           <a:stretch/>
         </p:blipFill>
         <p:spPr>
           <a:xfrm>
-            <a:off x="673199" y="575694"/>
-            <a:ext cx="10366713" cy="5706612"/>
+            <a:off x="367134" y="0"/>
+            <a:ext cx="11457731" cy="6858000"/>
           </a:xfrm>
           <a:prstGeom prst="rect">
             <a:avLst/>
@@ -4035,6 +4035,35 @@
           </a:p>
         </p:txBody>
       </p:sp>
+      <p:pic>
+        <p:nvPicPr>
+          <p:cNvPr id="3" name="Grafik 2">
+            <a:extLst>
+              <a:ext uri="{FF2B5EF4-FFF2-40B4-BE49-F238E27FC236}">
+                <a16:creationId xmlns:a16="http://schemas.microsoft.com/office/drawing/2014/main" id="{6230CA0C-0549-495C-A4FD-C4133F2D32C3}"/>
+              </a:ext>
+            </a:extLst>
+          </p:cNvPr>
+          <p:cNvPicPr>
+            <a:picLocks noChangeAspect="1"/>
+          </p:cNvPicPr>
+          <p:nvPr/>
+        </p:nvPicPr>
+        <p:blipFill rotWithShape="1">
+          <a:blip r:embed="rId2"/>
+          <a:srcRect l="34133" t="58403" r="43597" b="32245"/>
+          <a:stretch/>
+        </p:blipFill>
+        <p:spPr>
+          <a:xfrm>
+            <a:off x="831850" y="4562475"/>
+            <a:ext cx="2715208" cy="641383"/>
+          </a:xfrm>
+          <a:prstGeom prst="rect">
+            <a:avLst/>
+          </a:prstGeom>
+        </p:spPr>
+      </p:pic>
     </p:spTree>
     <p:extLst>
       <p:ext uri="{BB962C8B-B14F-4D97-AF65-F5344CB8AC3E}">
@@ -4267,10 +4296,9 @@
               <a:buNone/>
             </a:pPr>
             <a:r>
-              <a:rPr lang="de-DE"/>
+              <a:rPr lang="de-DE" dirty="0"/>
               <a:t>Optional:</a:t>
             </a:r>
-            <a:endParaRPr lang="de-DE" dirty="0"/>
           </a:p>
           <a:p>
             <a:r>

--- a/präsentation_ms1.pptx
+++ b/präsentation_ms1.pptx
@@ -4,6 +4,9 @@
   <p:sldMasterIdLst>
     <p:sldMasterId id="2147483830" r:id="rId1"/>
   </p:sldMasterIdLst>
+  <p:notesMasterIdLst>
+    <p:notesMasterId r:id="rId16"/>
+  </p:notesMasterIdLst>
   <p:sldIdLst>
     <p:sldId id="256" r:id="rId2"/>
     <p:sldId id="257" r:id="rId3"/>
@@ -159,6 +162,1598 @@
 </p:presentation>
 </file>
 
+<file path=ppt/notesMasters/notesMaster1.xml><?xml version="1.0" encoding="utf-8"?>
+<p:notesMaster xmlns:a="http://schemas.openxmlformats.org/drawingml/2006/main" xmlns:r="http://schemas.openxmlformats.org/officeDocument/2006/relationships" xmlns:p="http://schemas.openxmlformats.org/presentationml/2006/main">
+  <p:cSld>
+    <p:bg>
+      <p:bgRef idx="1001">
+        <a:schemeClr val="bg1"/>
+      </p:bgRef>
+    </p:bg>
+    <p:spTree>
+      <p:nvGrpSpPr>
+        <p:cNvPr id="1" name=""/>
+        <p:cNvGrpSpPr/>
+        <p:nvPr/>
+      </p:nvGrpSpPr>
+      <p:grpSpPr>
+        <a:xfrm>
+          <a:off x="0" y="0"/>
+          <a:ext cx="0" cy="0"/>
+          <a:chOff x="0" y="0"/>
+          <a:chExt cx="0" cy="0"/>
+        </a:xfrm>
+      </p:grpSpPr>
+      <p:sp>
+        <p:nvSpPr>
+          <p:cNvPr id="2" name="Kopfzeilenplatzhalter 1"/>
+          <p:cNvSpPr>
+            <a:spLocks noGrp="1"/>
+          </p:cNvSpPr>
+          <p:nvPr>
+            <p:ph type="hdr" sz="quarter"/>
+          </p:nvPr>
+        </p:nvSpPr>
+        <p:spPr>
+          <a:xfrm>
+            <a:off x="0" y="0"/>
+            <a:ext cx="2971800" cy="458788"/>
+          </a:xfrm>
+          <a:prstGeom prst="rect">
+            <a:avLst/>
+          </a:prstGeom>
+        </p:spPr>
+        <p:txBody>
+          <a:bodyPr vert="horz" lIns="91440" tIns="45720" rIns="91440" bIns="45720" rtlCol="0"/>
+          <a:lstStyle>
+            <a:lvl1pPr algn="l">
+              <a:defRPr sz="1200"/>
+            </a:lvl1pPr>
+          </a:lstStyle>
+          <a:p>
+            <a:endParaRPr lang="de-DE"/>
+          </a:p>
+        </p:txBody>
+      </p:sp>
+      <p:sp>
+        <p:nvSpPr>
+          <p:cNvPr id="3" name="Datumsplatzhalter 2"/>
+          <p:cNvSpPr>
+            <a:spLocks noGrp="1"/>
+          </p:cNvSpPr>
+          <p:nvPr>
+            <p:ph type="dt" idx="1"/>
+          </p:nvPr>
+        </p:nvSpPr>
+        <p:spPr>
+          <a:xfrm>
+            <a:off x="3884613" y="0"/>
+            <a:ext cx="2971800" cy="458788"/>
+          </a:xfrm>
+          <a:prstGeom prst="rect">
+            <a:avLst/>
+          </a:prstGeom>
+        </p:spPr>
+        <p:txBody>
+          <a:bodyPr vert="horz" lIns="91440" tIns="45720" rIns="91440" bIns="45720" rtlCol="0"/>
+          <a:lstStyle>
+            <a:lvl1pPr algn="r">
+              <a:defRPr sz="1200"/>
+            </a:lvl1pPr>
+          </a:lstStyle>
+          <a:p>
+            <a:fld id="{446B1905-4DDF-42A8-91C3-7393CEF211D4}" type="datetimeFigureOut">
+              <a:rPr lang="de-DE" smtClean="0"/>
+              <a:t>13.05.2019</a:t>
+            </a:fld>
+            <a:endParaRPr lang="de-DE"/>
+          </a:p>
+        </p:txBody>
+      </p:sp>
+      <p:sp>
+        <p:nvSpPr>
+          <p:cNvPr id="4" name="Folienbildplatzhalter 3"/>
+          <p:cNvSpPr>
+            <a:spLocks noGrp="1" noRot="1" noChangeAspect="1"/>
+          </p:cNvSpPr>
+          <p:nvPr>
+            <p:ph type="sldImg" idx="2"/>
+          </p:nvPr>
+        </p:nvSpPr>
+        <p:spPr>
+          <a:xfrm>
+            <a:off x="685800" y="1143000"/>
+            <a:ext cx="5486400" cy="3086100"/>
+          </a:xfrm>
+          <a:prstGeom prst="rect">
+            <a:avLst/>
+          </a:prstGeom>
+          <a:noFill/>
+          <a:ln w="12700">
+            <a:solidFill>
+              <a:prstClr val="black"/>
+            </a:solidFill>
+          </a:ln>
+        </p:spPr>
+        <p:txBody>
+          <a:bodyPr vert="horz" lIns="91440" tIns="45720" rIns="91440" bIns="45720" rtlCol="0" anchor="ctr"/>
+          <a:lstStyle/>
+          <a:p>
+            <a:endParaRPr lang="de-DE"/>
+          </a:p>
+        </p:txBody>
+      </p:sp>
+      <p:sp>
+        <p:nvSpPr>
+          <p:cNvPr id="5" name="Notizenplatzhalter 4"/>
+          <p:cNvSpPr>
+            <a:spLocks noGrp="1"/>
+          </p:cNvSpPr>
+          <p:nvPr>
+            <p:ph type="body" sz="quarter" idx="3"/>
+          </p:nvPr>
+        </p:nvSpPr>
+        <p:spPr>
+          <a:xfrm>
+            <a:off x="685800" y="4400550"/>
+            <a:ext cx="5486400" cy="3600450"/>
+          </a:xfrm>
+          <a:prstGeom prst="rect">
+            <a:avLst/>
+          </a:prstGeom>
+        </p:spPr>
+        <p:txBody>
+          <a:bodyPr vert="horz" lIns="91440" tIns="45720" rIns="91440" bIns="45720" rtlCol="0"/>
+          <a:lstStyle/>
+          <a:p>
+            <a:pPr lvl="0"/>
+            <a:r>
+              <a:rPr lang="de-DE"/>
+              <a:t>Mastertextformat bearbeiten</a:t>
+            </a:r>
+          </a:p>
+          <a:p>
+            <a:pPr lvl="1"/>
+            <a:r>
+              <a:rPr lang="de-DE"/>
+              <a:t>Zweite Ebene</a:t>
+            </a:r>
+          </a:p>
+          <a:p>
+            <a:pPr lvl="2"/>
+            <a:r>
+              <a:rPr lang="de-DE"/>
+              <a:t>Dritte Ebene</a:t>
+            </a:r>
+          </a:p>
+          <a:p>
+            <a:pPr lvl="3"/>
+            <a:r>
+              <a:rPr lang="de-DE"/>
+              <a:t>Vierte Ebene</a:t>
+            </a:r>
+          </a:p>
+          <a:p>
+            <a:pPr lvl="4"/>
+            <a:r>
+              <a:rPr lang="de-DE"/>
+              <a:t>Fünfte Ebene</a:t>
+            </a:r>
+          </a:p>
+        </p:txBody>
+      </p:sp>
+      <p:sp>
+        <p:nvSpPr>
+          <p:cNvPr id="6" name="Fußzeilenplatzhalter 5"/>
+          <p:cNvSpPr>
+            <a:spLocks noGrp="1"/>
+          </p:cNvSpPr>
+          <p:nvPr>
+            <p:ph type="ftr" sz="quarter" idx="4"/>
+          </p:nvPr>
+        </p:nvSpPr>
+        <p:spPr>
+          <a:xfrm>
+            <a:off x="0" y="8685213"/>
+            <a:ext cx="2971800" cy="458787"/>
+          </a:xfrm>
+          <a:prstGeom prst="rect">
+            <a:avLst/>
+          </a:prstGeom>
+        </p:spPr>
+        <p:txBody>
+          <a:bodyPr vert="horz" lIns="91440" tIns="45720" rIns="91440" bIns="45720" rtlCol="0" anchor="b"/>
+          <a:lstStyle>
+            <a:lvl1pPr algn="l">
+              <a:defRPr sz="1200"/>
+            </a:lvl1pPr>
+          </a:lstStyle>
+          <a:p>
+            <a:endParaRPr lang="de-DE"/>
+          </a:p>
+        </p:txBody>
+      </p:sp>
+      <p:sp>
+        <p:nvSpPr>
+          <p:cNvPr id="7" name="Foliennummernplatzhalter 6"/>
+          <p:cNvSpPr>
+            <a:spLocks noGrp="1"/>
+          </p:cNvSpPr>
+          <p:nvPr>
+            <p:ph type="sldNum" sz="quarter" idx="5"/>
+          </p:nvPr>
+        </p:nvSpPr>
+        <p:spPr>
+          <a:xfrm>
+            <a:off x="3884613" y="8685213"/>
+            <a:ext cx="2971800" cy="458787"/>
+          </a:xfrm>
+          <a:prstGeom prst="rect">
+            <a:avLst/>
+          </a:prstGeom>
+        </p:spPr>
+        <p:txBody>
+          <a:bodyPr vert="horz" lIns="91440" tIns="45720" rIns="91440" bIns="45720" rtlCol="0" anchor="b"/>
+          <a:lstStyle>
+            <a:lvl1pPr algn="r">
+              <a:defRPr sz="1200"/>
+            </a:lvl1pPr>
+          </a:lstStyle>
+          <a:p>
+            <a:fld id="{95A47417-3D48-4616-B213-E6A51DA46F7C}" type="slidenum">
+              <a:rPr lang="de-DE" smtClean="0"/>
+              <a:t>‹Nr.›</a:t>
+            </a:fld>
+            <a:endParaRPr lang="de-DE"/>
+          </a:p>
+        </p:txBody>
+      </p:sp>
+    </p:spTree>
+    <p:extLst>
+      <p:ext uri="{BB962C8B-B14F-4D97-AF65-F5344CB8AC3E}">
+        <p14:creationId xmlns:p14="http://schemas.microsoft.com/office/powerpoint/2010/main" val="1637852929"/>
+      </p:ext>
+    </p:extLst>
+  </p:cSld>
+  <p:clrMap bg1="lt1" tx1="dk1" bg2="lt2" tx2="dk2" accent1="accent1" accent2="accent2" accent3="accent3" accent4="accent4" accent5="accent5" accent6="accent6" hlink="hlink" folHlink="folHlink"/>
+  <p:notesStyle>
+    <a:lvl1pPr marL="0" algn="l" defTabSz="914400" rtl="0" eaLnBrk="1" latinLnBrk="0" hangingPunct="1">
+      <a:defRPr sz="1200" kern="1200">
+        <a:solidFill>
+          <a:schemeClr val="tx1"/>
+        </a:solidFill>
+        <a:latin typeface="+mn-lt"/>
+        <a:ea typeface="+mn-ea"/>
+        <a:cs typeface="+mn-cs"/>
+      </a:defRPr>
+    </a:lvl1pPr>
+    <a:lvl2pPr marL="457200" algn="l" defTabSz="914400" rtl="0" eaLnBrk="1" latinLnBrk="0" hangingPunct="1">
+      <a:defRPr sz="1200" kern="1200">
+        <a:solidFill>
+          <a:schemeClr val="tx1"/>
+        </a:solidFill>
+        <a:latin typeface="+mn-lt"/>
+        <a:ea typeface="+mn-ea"/>
+        <a:cs typeface="+mn-cs"/>
+      </a:defRPr>
+    </a:lvl2pPr>
+    <a:lvl3pPr marL="914400" algn="l" defTabSz="914400" rtl="0" eaLnBrk="1" latinLnBrk="0" hangingPunct="1">
+      <a:defRPr sz="1200" kern="1200">
+        <a:solidFill>
+          <a:schemeClr val="tx1"/>
+        </a:solidFill>
+        <a:latin typeface="+mn-lt"/>
+        <a:ea typeface="+mn-ea"/>
+        <a:cs typeface="+mn-cs"/>
+      </a:defRPr>
+    </a:lvl3pPr>
+    <a:lvl4pPr marL="1371600" algn="l" defTabSz="914400" rtl="0" eaLnBrk="1" latinLnBrk="0" hangingPunct="1">
+      <a:defRPr sz="1200" kern="1200">
+        <a:solidFill>
+          <a:schemeClr val="tx1"/>
+        </a:solidFill>
+        <a:latin typeface="+mn-lt"/>
+        <a:ea typeface="+mn-ea"/>
+        <a:cs typeface="+mn-cs"/>
+      </a:defRPr>
+    </a:lvl4pPr>
+    <a:lvl5pPr marL="1828800" algn="l" defTabSz="914400" rtl="0" eaLnBrk="1" latinLnBrk="0" hangingPunct="1">
+      <a:defRPr sz="1200" kern="1200">
+        <a:solidFill>
+          <a:schemeClr val="tx1"/>
+        </a:solidFill>
+        <a:latin typeface="+mn-lt"/>
+        <a:ea typeface="+mn-ea"/>
+        <a:cs typeface="+mn-cs"/>
+      </a:defRPr>
+    </a:lvl5pPr>
+    <a:lvl6pPr marL="2286000" algn="l" defTabSz="914400" rtl="0" eaLnBrk="1" latinLnBrk="0" hangingPunct="1">
+      <a:defRPr sz="1200" kern="1200">
+        <a:solidFill>
+          <a:schemeClr val="tx1"/>
+        </a:solidFill>
+        <a:latin typeface="+mn-lt"/>
+        <a:ea typeface="+mn-ea"/>
+        <a:cs typeface="+mn-cs"/>
+      </a:defRPr>
+    </a:lvl6pPr>
+    <a:lvl7pPr marL="2743200" algn="l" defTabSz="914400" rtl="0" eaLnBrk="1" latinLnBrk="0" hangingPunct="1">
+      <a:defRPr sz="1200" kern="1200">
+        <a:solidFill>
+          <a:schemeClr val="tx1"/>
+        </a:solidFill>
+        <a:latin typeface="+mn-lt"/>
+        <a:ea typeface="+mn-ea"/>
+        <a:cs typeface="+mn-cs"/>
+      </a:defRPr>
+    </a:lvl7pPr>
+    <a:lvl8pPr marL="3200400" algn="l" defTabSz="914400" rtl="0" eaLnBrk="1" latinLnBrk="0" hangingPunct="1">
+      <a:defRPr sz="1200" kern="1200">
+        <a:solidFill>
+          <a:schemeClr val="tx1"/>
+        </a:solidFill>
+        <a:latin typeface="+mn-lt"/>
+        <a:ea typeface="+mn-ea"/>
+        <a:cs typeface="+mn-cs"/>
+      </a:defRPr>
+    </a:lvl8pPr>
+    <a:lvl9pPr marL="3657600" algn="l" defTabSz="914400" rtl="0" eaLnBrk="1" latinLnBrk="0" hangingPunct="1">
+      <a:defRPr sz="1200" kern="1200">
+        <a:solidFill>
+          <a:schemeClr val="tx1"/>
+        </a:solidFill>
+        <a:latin typeface="+mn-lt"/>
+        <a:ea typeface="+mn-ea"/>
+        <a:cs typeface="+mn-cs"/>
+      </a:defRPr>
+    </a:lvl9pPr>
+  </p:notesStyle>
+</p:notesMaster>
+</file>
+
+<file path=ppt/notesSlides/notesSlide1.xml><?xml version="1.0" encoding="utf-8"?>
+<p:notes xmlns:a="http://schemas.openxmlformats.org/drawingml/2006/main" xmlns:r="http://schemas.openxmlformats.org/officeDocument/2006/relationships" xmlns:p="http://schemas.openxmlformats.org/presentationml/2006/main">
+  <p:cSld>
+    <p:spTree>
+      <p:nvGrpSpPr>
+        <p:cNvPr id="1" name=""/>
+        <p:cNvGrpSpPr/>
+        <p:nvPr/>
+      </p:nvGrpSpPr>
+      <p:grpSpPr>
+        <a:xfrm>
+          <a:off x="0" y="0"/>
+          <a:ext cx="0" cy="0"/>
+          <a:chOff x="0" y="0"/>
+          <a:chExt cx="0" cy="0"/>
+        </a:xfrm>
+      </p:grpSpPr>
+      <p:sp>
+        <p:nvSpPr>
+          <p:cNvPr id="2" name="Folienbildplatzhalter 1"/>
+          <p:cNvSpPr>
+            <a:spLocks noGrp="1" noRot="1" noChangeAspect="1"/>
+          </p:cNvSpPr>
+          <p:nvPr>
+            <p:ph type="sldImg"/>
+          </p:nvPr>
+        </p:nvSpPr>
+        <p:spPr/>
+      </p:sp>
+      <p:sp>
+        <p:nvSpPr>
+          <p:cNvPr id="3" name="Notizenplatzhalter 2"/>
+          <p:cNvSpPr>
+            <a:spLocks noGrp="1"/>
+          </p:cNvSpPr>
+          <p:nvPr>
+            <p:ph type="body" idx="1"/>
+          </p:nvPr>
+        </p:nvSpPr>
+        <p:spPr/>
+        <p:txBody>
+          <a:bodyPr/>
+          <a:lstStyle/>
+          <a:p>
+            <a:r>
+              <a:rPr lang="de-DE" dirty="0"/>
+              <a:t>Eine Projektdefinition/Exposé besteht im wesentlichen aus den folgenden Schritten: 1. Problemstellung. Hier wird das das eine Problemstellung beschrieben welche dann durch das Projekt gelöst werden soll. 2. Das Ziel des Projekts. Hier wird beschrieben was mit dem Projekt erreicht werden soll. 3. Das Vorgehen. Hier wird die Arbeitsweise während des Projekts beschrieben.</a:t>
+            </a:r>
+          </a:p>
+        </p:txBody>
+      </p:sp>
+      <p:sp>
+        <p:nvSpPr>
+          <p:cNvPr id="4" name="Foliennummernplatzhalter 3"/>
+          <p:cNvSpPr>
+            <a:spLocks noGrp="1"/>
+          </p:cNvSpPr>
+          <p:nvPr>
+            <p:ph type="sldNum" sz="quarter" idx="5"/>
+          </p:nvPr>
+        </p:nvSpPr>
+        <p:spPr/>
+        <p:txBody>
+          <a:bodyPr/>
+          <a:lstStyle/>
+          <a:p>
+            <a:fld id="{95A47417-3D48-4616-B213-E6A51DA46F7C}" type="slidenum">
+              <a:rPr lang="de-DE" smtClean="0"/>
+              <a:t>2</a:t>
+            </a:fld>
+            <a:endParaRPr lang="de-DE"/>
+          </a:p>
+        </p:txBody>
+      </p:sp>
+    </p:spTree>
+    <p:extLst>
+      <p:ext uri="{BB962C8B-B14F-4D97-AF65-F5344CB8AC3E}">
+        <p14:creationId xmlns:p14="http://schemas.microsoft.com/office/powerpoint/2010/main" val="1222421146"/>
+      </p:ext>
+    </p:extLst>
+  </p:cSld>
+  <p:clrMapOvr>
+    <a:masterClrMapping/>
+  </p:clrMapOvr>
+</p:notes>
+</file>
+
+<file path=ppt/notesSlides/notesSlide10.xml><?xml version="1.0" encoding="utf-8"?>
+<p:notes xmlns:a="http://schemas.openxmlformats.org/drawingml/2006/main" xmlns:r="http://schemas.openxmlformats.org/officeDocument/2006/relationships" xmlns:p="http://schemas.openxmlformats.org/presentationml/2006/main">
+  <p:cSld>
+    <p:spTree>
+      <p:nvGrpSpPr>
+        <p:cNvPr id="1" name=""/>
+        <p:cNvGrpSpPr/>
+        <p:nvPr/>
+      </p:nvGrpSpPr>
+      <p:grpSpPr>
+        <a:xfrm>
+          <a:off x="0" y="0"/>
+          <a:ext cx="0" cy="0"/>
+          <a:chOff x="0" y="0"/>
+          <a:chExt cx="0" cy="0"/>
+        </a:xfrm>
+      </p:grpSpPr>
+      <p:sp>
+        <p:nvSpPr>
+          <p:cNvPr id="2" name="Folienbildplatzhalter 1"/>
+          <p:cNvSpPr>
+            <a:spLocks noGrp="1" noRot="1" noChangeAspect="1"/>
+          </p:cNvSpPr>
+          <p:nvPr>
+            <p:ph type="sldImg"/>
+          </p:nvPr>
+        </p:nvSpPr>
+        <p:spPr/>
+      </p:sp>
+      <p:sp>
+        <p:nvSpPr>
+          <p:cNvPr id="3" name="Notizenplatzhalter 2"/>
+          <p:cNvSpPr>
+            <a:spLocks noGrp="1"/>
+          </p:cNvSpPr>
+          <p:nvPr>
+            <p:ph type="body" idx="1"/>
+          </p:nvPr>
+        </p:nvSpPr>
+        <p:spPr/>
+        <p:txBody>
+          <a:bodyPr/>
+          <a:lstStyle/>
+          <a:p>
+            <a:r>
+              <a:rPr lang="de-DE" dirty="0"/>
+              <a:t>1. Primärressourcen (Nutzereingabe, Lebensmittel, Gericht, Ausgabe)</a:t>
+            </a:r>
+          </a:p>
+          <a:p>
+            <a:r>
+              <a:rPr lang="de-DE" dirty="0"/>
+              <a:t>Listenressourcen (Lebensmittelliste, </a:t>
+            </a:r>
+            <a:r>
+              <a:rPr lang="de-DE" dirty="0" err="1"/>
+              <a:t>Gerichteliste</a:t>
+            </a:r>
+            <a:r>
+              <a:rPr lang="de-DE" dirty="0"/>
+              <a:t>) </a:t>
+            </a:r>
+            <a:r>
+              <a:rPr lang="de-DE" dirty="0">
+                <a:sym typeface="Wingdings" panose="05000000000000000000" pitchFamily="2" charset="2"/>
+              </a:rPr>
+              <a:t> </a:t>
+            </a:r>
+            <a:r>
+              <a:rPr lang="de-DE" dirty="0" err="1">
+                <a:sym typeface="Wingdings" panose="05000000000000000000" pitchFamily="2" charset="2"/>
+              </a:rPr>
+              <a:t>eigenlich</a:t>
+            </a:r>
+            <a:r>
+              <a:rPr lang="de-DE" dirty="0">
+                <a:sym typeface="Wingdings" panose="05000000000000000000" pitchFamily="2" charset="2"/>
+              </a:rPr>
+              <a:t> gibt es für jede Primärressource eine Listenressource, allerdings haben wir uns dazu entschlossen die </a:t>
+            </a:r>
+            <a:r>
+              <a:rPr lang="de-DE" dirty="0" err="1">
+                <a:sym typeface="Wingdings" panose="05000000000000000000" pitchFamily="2" charset="2"/>
+              </a:rPr>
+              <a:t>Listenressourchen</a:t>
+            </a:r>
+            <a:r>
+              <a:rPr lang="de-DE" dirty="0">
+                <a:sym typeface="Wingdings" panose="05000000000000000000" pitchFamily="2" charset="2"/>
+              </a:rPr>
+              <a:t> zur Nutzereingabe und der Ausgabe nicht zu berücksichtigen, da wir fanden, dass die für unsere Domäne nicht relevant sind. Wir wollen </a:t>
+            </a:r>
+            <a:r>
+              <a:rPr lang="de-DE" dirty="0" err="1">
+                <a:sym typeface="Wingdings" panose="05000000000000000000" pitchFamily="2" charset="2"/>
+              </a:rPr>
+              <a:t>naträglich</a:t>
+            </a:r>
+            <a:r>
+              <a:rPr lang="de-DE" dirty="0">
+                <a:sym typeface="Wingdings" panose="05000000000000000000" pitchFamily="2" charset="2"/>
+              </a:rPr>
+              <a:t> nicht auf diese Listenressourcen zugreifen, um z.B. eine neue Nutzereingabe hinzuzufügen oder alle Nutzeranfragen auszugeben.</a:t>
+            </a:r>
+          </a:p>
+          <a:p>
+            <a:endParaRPr lang="de-DE" dirty="0">
+              <a:sym typeface="Wingdings" panose="05000000000000000000" pitchFamily="2" charset="2"/>
+            </a:endParaRPr>
+          </a:p>
+          <a:p>
+            <a:r>
+              <a:rPr lang="de-DE" dirty="0">
+                <a:sym typeface="Wingdings" panose="05000000000000000000" pitchFamily="2" charset="2"/>
+              </a:rPr>
+              <a:t>2. Bei den Parametern haben wir darauf geachtet, dass für jede Ressource einen eindeutigen PATH-Parameter (wird in URL angegeben) hat. Über den PATH-Parameter(ID) lässt sich dann z.B. ein Lebensmittel identifizieren und man kann es sich über GET und die URL(…/</a:t>
+            </a:r>
+            <a:r>
+              <a:rPr lang="de-DE" dirty="0" err="1">
+                <a:sym typeface="Wingdings" panose="05000000000000000000" pitchFamily="2" charset="2"/>
+              </a:rPr>
+              <a:t>lebensmittel</a:t>
+            </a:r>
+            <a:r>
+              <a:rPr lang="de-DE" dirty="0">
+                <a:sym typeface="Wingdings" panose="05000000000000000000" pitchFamily="2" charset="2"/>
+              </a:rPr>
+              <a:t>/(</a:t>
+            </a:r>
+            <a:r>
+              <a:rPr lang="de-DE" dirty="0" err="1">
+                <a:sym typeface="Wingdings" panose="05000000000000000000" pitchFamily="2" charset="2"/>
+              </a:rPr>
+              <a:t>id</a:t>
+            </a:r>
+            <a:r>
+              <a:rPr lang="de-DE" dirty="0">
+                <a:sym typeface="Wingdings" panose="05000000000000000000" pitchFamily="2" charset="2"/>
+              </a:rPr>
+              <a:t>)) ausgeben lassen oder die QUERY-Parameter über PUT und die URL aktualisieren.</a:t>
+            </a:r>
+          </a:p>
+          <a:p>
+            <a:endParaRPr lang="de-DE" dirty="0">
+              <a:sym typeface="Wingdings" panose="05000000000000000000" pitchFamily="2" charset="2"/>
+            </a:endParaRPr>
+          </a:p>
+          <a:p>
+            <a:r>
+              <a:rPr lang="de-DE" dirty="0">
+                <a:sym typeface="Wingdings" panose="05000000000000000000" pitchFamily="2" charset="2"/>
+              </a:rPr>
+              <a:t>3. Bei der Verlinkung der Entitäten war uns wichtig aufzuzeigen, wo es sinnvoll ist die Entitäten zu verlinken. Beispielsweise haben wir festgelegt, dass die ID der Ausgabe mit der ID der jeweiligen Nutzereingabe übereinstimmen muss, damit das System die Ausgabe auf Basis der jeweiligen Eingabe wiedergibt.</a:t>
+            </a:r>
+            <a:endParaRPr lang="de-DE" dirty="0"/>
+          </a:p>
+        </p:txBody>
+      </p:sp>
+      <p:sp>
+        <p:nvSpPr>
+          <p:cNvPr id="4" name="Foliennummernplatzhalter 3"/>
+          <p:cNvSpPr>
+            <a:spLocks noGrp="1"/>
+          </p:cNvSpPr>
+          <p:nvPr>
+            <p:ph type="sldNum" sz="quarter" idx="5"/>
+          </p:nvPr>
+        </p:nvSpPr>
+        <p:spPr/>
+        <p:txBody>
+          <a:bodyPr/>
+          <a:lstStyle/>
+          <a:p>
+            <a:fld id="{95A47417-3D48-4616-B213-E6A51DA46F7C}" type="slidenum">
+              <a:rPr lang="de-DE" smtClean="0"/>
+              <a:t>11</a:t>
+            </a:fld>
+            <a:endParaRPr lang="de-DE"/>
+          </a:p>
+        </p:txBody>
+      </p:sp>
+    </p:spTree>
+    <p:extLst>
+      <p:ext uri="{BB962C8B-B14F-4D97-AF65-F5344CB8AC3E}">
+        <p14:creationId xmlns:p14="http://schemas.microsoft.com/office/powerpoint/2010/main" val="1545144304"/>
+      </p:ext>
+    </p:extLst>
+  </p:cSld>
+  <p:clrMapOvr>
+    <a:masterClrMapping/>
+  </p:clrMapOvr>
+</p:notes>
+</file>
+
+<file path=ppt/notesSlides/notesSlide11.xml><?xml version="1.0" encoding="utf-8"?>
+<p:notes xmlns:a="http://schemas.openxmlformats.org/drawingml/2006/main" xmlns:r="http://schemas.openxmlformats.org/officeDocument/2006/relationships" xmlns:p="http://schemas.openxmlformats.org/presentationml/2006/main">
+  <p:cSld>
+    <p:spTree>
+      <p:nvGrpSpPr>
+        <p:cNvPr id="1" name=""/>
+        <p:cNvGrpSpPr/>
+        <p:nvPr/>
+      </p:nvGrpSpPr>
+      <p:grpSpPr>
+        <a:xfrm>
+          <a:off x="0" y="0"/>
+          <a:ext cx="0" cy="0"/>
+          <a:chOff x="0" y="0"/>
+          <a:chExt cx="0" cy="0"/>
+        </a:xfrm>
+      </p:grpSpPr>
+      <p:sp>
+        <p:nvSpPr>
+          <p:cNvPr id="2" name="Folienbildplatzhalter 1"/>
+          <p:cNvSpPr>
+            <a:spLocks noGrp="1" noRot="1" noChangeAspect="1"/>
+          </p:cNvSpPr>
+          <p:nvPr>
+            <p:ph type="sldImg"/>
+          </p:nvPr>
+        </p:nvSpPr>
+        <p:spPr/>
+      </p:sp>
+      <p:sp>
+        <p:nvSpPr>
+          <p:cNvPr id="3" name="Notizenplatzhalter 2"/>
+          <p:cNvSpPr>
+            <a:spLocks noGrp="1"/>
+          </p:cNvSpPr>
+          <p:nvPr>
+            <p:ph type="body" idx="1"/>
+          </p:nvPr>
+        </p:nvSpPr>
+        <p:spPr/>
+        <p:txBody>
+          <a:bodyPr/>
+          <a:lstStyle/>
+          <a:p>
+            <a:r>
+              <a:rPr lang="de-DE" dirty="0"/>
+              <a:t>4. Hier wird beschrieben, welche Verben es gibt und welche Semantik sie haben.</a:t>
+            </a:r>
+          </a:p>
+          <a:p>
+            <a:r>
+              <a:rPr lang="de-DE" dirty="0"/>
+              <a:t>Es werden mögliche HTTP-Statuscodes aufgezeigt, dabei wird zwischen Status-Codes für Primärressource und für Listenressourcen unterschieden.</a:t>
+            </a:r>
+          </a:p>
+          <a:p>
+            <a:endParaRPr lang="de-DE" dirty="0"/>
+          </a:p>
+          <a:p>
+            <a:r>
+              <a:rPr lang="de-DE" dirty="0"/>
+              <a:t>5. Des weiteren wird definiert, welche Verben sinnvoll für welche Ressourcen sind.</a:t>
+            </a:r>
+          </a:p>
+        </p:txBody>
+      </p:sp>
+      <p:sp>
+        <p:nvSpPr>
+          <p:cNvPr id="4" name="Foliennummernplatzhalter 3"/>
+          <p:cNvSpPr>
+            <a:spLocks noGrp="1"/>
+          </p:cNvSpPr>
+          <p:nvPr>
+            <p:ph type="sldNum" sz="quarter" idx="5"/>
+          </p:nvPr>
+        </p:nvSpPr>
+        <p:spPr/>
+        <p:txBody>
+          <a:bodyPr/>
+          <a:lstStyle/>
+          <a:p>
+            <a:fld id="{95A47417-3D48-4616-B213-E6A51DA46F7C}" type="slidenum">
+              <a:rPr lang="de-DE" smtClean="0"/>
+              <a:t>12</a:t>
+            </a:fld>
+            <a:endParaRPr lang="de-DE"/>
+          </a:p>
+        </p:txBody>
+      </p:sp>
+    </p:spTree>
+    <p:extLst>
+      <p:ext uri="{BB962C8B-B14F-4D97-AF65-F5344CB8AC3E}">
+        <p14:creationId xmlns:p14="http://schemas.microsoft.com/office/powerpoint/2010/main" val="2948477663"/>
+      </p:ext>
+    </p:extLst>
+  </p:cSld>
+  <p:clrMapOvr>
+    <a:masterClrMapping/>
+  </p:clrMapOvr>
+</p:notes>
+</file>
+
+<file path=ppt/notesSlides/notesSlide12.xml><?xml version="1.0" encoding="utf-8"?>
+<p:notes xmlns:a="http://schemas.openxmlformats.org/drawingml/2006/main" xmlns:r="http://schemas.openxmlformats.org/officeDocument/2006/relationships" xmlns:p="http://schemas.openxmlformats.org/presentationml/2006/main">
+  <p:cSld>
+    <p:spTree>
+      <p:nvGrpSpPr>
+        <p:cNvPr id="1" name=""/>
+        <p:cNvGrpSpPr/>
+        <p:nvPr/>
+      </p:nvGrpSpPr>
+      <p:grpSpPr>
+        <a:xfrm>
+          <a:off x="0" y="0"/>
+          <a:ext cx="0" cy="0"/>
+          <a:chOff x="0" y="0"/>
+          <a:chExt cx="0" cy="0"/>
+        </a:xfrm>
+      </p:grpSpPr>
+      <p:sp>
+        <p:nvSpPr>
+          <p:cNvPr id="2" name="Folienbildplatzhalter 1"/>
+          <p:cNvSpPr>
+            <a:spLocks noGrp="1" noRot="1" noChangeAspect="1"/>
+          </p:cNvSpPr>
+          <p:nvPr>
+            <p:ph type="sldImg"/>
+          </p:nvPr>
+        </p:nvSpPr>
+        <p:spPr/>
+      </p:sp>
+      <p:sp>
+        <p:nvSpPr>
+          <p:cNvPr id="3" name="Notizenplatzhalter 2"/>
+          <p:cNvSpPr>
+            <a:spLocks noGrp="1"/>
+          </p:cNvSpPr>
+          <p:nvPr>
+            <p:ph type="body" idx="1"/>
+          </p:nvPr>
+        </p:nvSpPr>
+        <p:spPr/>
+        <p:txBody>
+          <a:bodyPr/>
+          <a:lstStyle/>
+          <a:p>
+            <a:r>
+              <a:rPr lang="de-DE" dirty="0"/>
+              <a:t>6. Die Repräsentation unserer Ressourcen erfolgt durch ein </a:t>
+            </a:r>
+            <a:r>
+              <a:rPr lang="de-DE" dirty="0" err="1"/>
+              <a:t>JSON_File</a:t>
+            </a:r>
+            <a:endParaRPr lang="de-DE" dirty="0"/>
+          </a:p>
+        </p:txBody>
+      </p:sp>
+      <p:sp>
+        <p:nvSpPr>
+          <p:cNvPr id="4" name="Foliennummernplatzhalter 3"/>
+          <p:cNvSpPr>
+            <a:spLocks noGrp="1"/>
+          </p:cNvSpPr>
+          <p:nvPr>
+            <p:ph type="sldNum" sz="quarter" idx="5"/>
+          </p:nvPr>
+        </p:nvSpPr>
+        <p:spPr/>
+        <p:txBody>
+          <a:bodyPr/>
+          <a:lstStyle/>
+          <a:p>
+            <a:fld id="{95A47417-3D48-4616-B213-E6A51DA46F7C}" type="slidenum">
+              <a:rPr lang="de-DE" smtClean="0"/>
+              <a:t>13</a:t>
+            </a:fld>
+            <a:endParaRPr lang="de-DE"/>
+          </a:p>
+        </p:txBody>
+      </p:sp>
+    </p:spTree>
+    <p:extLst>
+      <p:ext uri="{BB962C8B-B14F-4D97-AF65-F5344CB8AC3E}">
+        <p14:creationId xmlns:p14="http://schemas.microsoft.com/office/powerpoint/2010/main" val="1932298220"/>
+      </p:ext>
+    </p:extLst>
+  </p:cSld>
+  <p:clrMapOvr>
+    <a:masterClrMapping/>
+  </p:clrMapOvr>
+</p:notes>
+</file>
+
+<file path=ppt/notesSlides/notesSlide2.xml><?xml version="1.0" encoding="utf-8"?>
+<p:notes xmlns:a="http://schemas.openxmlformats.org/drawingml/2006/main" xmlns:r="http://schemas.openxmlformats.org/officeDocument/2006/relationships" xmlns:p="http://schemas.openxmlformats.org/presentationml/2006/main">
+  <p:cSld>
+    <p:spTree>
+      <p:nvGrpSpPr>
+        <p:cNvPr id="1" name=""/>
+        <p:cNvGrpSpPr/>
+        <p:nvPr/>
+      </p:nvGrpSpPr>
+      <p:grpSpPr>
+        <a:xfrm>
+          <a:off x="0" y="0"/>
+          <a:ext cx="0" cy="0"/>
+          <a:chOff x="0" y="0"/>
+          <a:chExt cx="0" cy="0"/>
+        </a:xfrm>
+      </p:grpSpPr>
+      <p:sp>
+        <p:nvSpPr>
+          <p:cNvPr id="2" name="Folienbildplatzhalter 1"/>
+          <p:cNvSpPr>
+            <a:spLocks noGrp="1" noRot="1" noChangeAspect="1"/>
+          </p:cNvSpPr>
+          <p:nvPr>
+            <p:ph type="sldImg"/>
+          </p:nvPr>
+        </p:nvSpPr>
+        <p:spPr/>
+      </p:sp>
+      <p:sp>
+        <p:nvSpPr>
+          <p:cNvPr id="3" name="Notizenplatzhalter 2"/>
+          <p:cNvSpPr>
+            <a:spLocks noGrp="1"/>
+          </p:cNvSpPr>
+          <p:nvPr>
+            <p:ph type="body" idx="1"/>
+          </p:nvPr>
+        </p:nvSpPr>
+        <p:spPr/>
+        <p:txBody>
+          <a:bodyPr/>
+          <a:lstStyle/>
+          <a:p>
+            <a:r>
+              <a:rPr lang="de-DE" dirty="0"/>
+              <a:t>Problemstellung mit Praxisrelevanz</a:t>
+            </a:r>
+          </a:p>
+        </p:txBody>
+      </p:sp>
+      <p:sp>
+        <p:nvSpPr>
+          <p:cNvPr id="4" name="Foliennummernplatzhalter 3"/>
+          <p:cNvSpPr>
+            <a:spLocks noGrp="1"/>
+          </p:cNvSpPr>
+          <p:nvPr>
+            <p:ph type="sldNum" sz="quarter" idx="5"/>
+          </p:nvPr>
+        </p:nvSpPr>
+        <p:spPr/>
+        <p:txBody>
+          <a:bodyPr/>
+          <a:lstStyle/>
+          <a:p>
+            <a:fld id="{95A47417-3D48-4616-B213-E6A51DA46F7C}" type="slidenum">
+              <a:rPr lang="de-DE" smtClean="0"/>
+              <a:t>3</a:t>
+            </a:fld>
+            <a:endParaRPr lang="de-DE"/>
+          </a:p>
+        </p:txBody>
+      </p:sp>
+    </p:spTree>
+    <p:extLst>
+      <p:ext uri="{BB962C8B-B14F-4D97-AF65-F5344CB8AC3E}">
+        <p14:creationId xmlns:p14="http://schemas.microsoft.com/office/powerpoint/2010/main" val="1590868125"/>
+      </p:ext>
+    </p:extLst>
+  </p:cSld>
+  <p:clrMapOvr>
+    <a:masterClrMapping/>
+  </p:clrMapOvr>
+</p:notes>
+</file>
+
+<file path=ppt/notesSlides/notesSlide3.xml><?xml version="1.0" encoding="utf-8"?>
+<p:notes xmlns:a="http://schemas.openxmlformats.org/drawingml/2006/main" xmlns:r="http://schemas.openxmlformats.org/officeDocument/2006/relationships" xmlns:p="http://schemas.openxmlformats.org/presentationml/2006/main">
+  <p:cSld>
+    <p:spTree>
+      <p:nvGrpSpPr>
+        <p:cNvPr id="1" name=""/>
+        <p:cNvGrpSpPr/>
+        <p:nvPr/>
+      </p:nvGrpSpPr>
+      <p:grpSpPr>
+        <a:xfrm>
+          <a:off x="0" y="0"/>
+          <a:ext cx="0" cy="0"/>
+          <a:chOff x="0" y="0"/>
+          <a:chExt cx="0" cy="0"/>
+        </a:xfrm>
+      </p:grpSpPr>
+      <p:sp>
+        <p:nvSpPr>
+          <p:cNvPr id="2" name="Folienbildplatzhalter 1"/>
+          <p:cNvSpPr>
+            <a:spLocks noGrp="1" noRot="1" noChangeAspect="1"/>
+          </p:cNvSpPr>
+          <p:nvPr>
+            <p:ph type="sldImg"/>
+          </p:nvPr>
+        </p:nvSpPr>
+        <p:spPr/>
+      </p:sp>
+      <p:sp>
+        <p:nvSpPr>
+          <p:cNvPr id="3" name="Notizenplatzhalter 2"/>
+          <p:cNvSpPr>
+            <a:spLocks noGrp="1"/>
+          </p:cNvSpPr>
+          <p:nvPr>
+            <p:ph type="body" idx="1"/>
+          </p:nvPr>
+        </p:nvSpPr>
+        <p:spPr/>
+        <p:txBody>
+          <a:bodyPr/>
+          <a:lstStyle/>
+          <a:p>
+            <a:r>
+              <a:rPr lang="de-DE" dirty="0"/>
+              <a:t>Hier wird die Lösung der Problemstellung definiert. Mit der zu entwickelnden Software soll es möglich sein Mahlzeiten auf Grund der einem noch zu Verfügung stehenden Lebensmittel auszuwählen, außerdem sollen einem die Nährwerte der Mahlzeiten die angezeigt werden ausgeben werden.</a:t>
+            </a:r>
+          </a:p>
+        </p:txBody>
+      </p:sp>
+      <p:sp>
+        <p:nvSpPr>
+          <p:cNvPr id="4" name="Foliennummernplatzhalter 3"/>
+          <p:cNvSpPr>
+            <a:spLocks noGrp="1"/>
+          </p:cNvSpPr>
+          <p:nvPr>
+            <p:ph type="sldNum" sz="quarter" idx="5"/>
+          </p:nvPr>
+        </p:nvSpPr>
+        <p:spPr/>
+        <p:txBody>
+          <a:bodyPr/>
+          <a:lstStyle/>
+          <a:p>
+            <a:fld id="{95A47417-3D48-4616-B213-E6A51DA46F7C}" type="slidenum">
+              <a:rPr lang="de-DE" smtClean="0"/>
+              <a:t>4</a:t>
+            </a:fld>
+            <a:endParaRPr lang="de-DE"/>
+          </a:p>
+        </p:txBody>
+      </p:sp>
+    </p:spTree>
+    <p:extLst>
+      <p:ext uri="{BB962C8B-B14F-4D97-AF65-F5344CB8AC3E}">
+        <p14:creationId xmlns:p14="http://schemas.microsoft.com/office/powerpoint/2010/main" val="4145439934"/>
+      </p:ext>
+    </p:extLst>
+  </p:cSld>
+  <p:clrMapOvr>
+    <a:masterClrMapping/>
+  </p:clrMapOvr>
+</p:notes>
+</file>
+
+<file path=ppt/notesSlides/notesSlide4.xml><?xml version="1.0" encoding="utf-8"?>
+<p:notes xmlns:a="http://schemas.openxmlformats.org/drawingml/2006/main" xmlns:r="http://schemas.openxmlformats.org/officeDocument/2006/relationships" xmlns:p="http://schemas.openxmlformats.org/presentationml/2006/main">
+  <p:cSld>
+    <p:spTree>
+      <p:nvGrpSpPr>
+        <p:cNvPr id="1" name=""/>
+        <p:cNvGrpSpPr/>
+        <p:nvPr/>
+      </p:nvGrpSpPr>
+      <p:grpSpPr>
+        <a:xfrm>
+          <a:off x="0" y="0"/>
+          <a:ext cx="0" cy="0"/>
+          <a:chOff x="0" y="0"/>
+          <a:chExt cx="0" cy="0"/>
+        </a:xfrm>
+      </p:grpSpPr>
+      <p:sp>
+        <p:nvSpPr>
+          <p:cNvPr id="2" name="Folienbildplatzhalter 1"/>
+          <p:cNvSpPr>
+            <a:spLocks noGrp="1" noRot="1" noChangeAspect="1"/>
+          </p:cNvSpPr>
+          <p:nvPr>
+            <p:ph type="sldImg"/>
+          </p:nvPr>
+        </p:nvSpPr>
+        <p:spPr/>
+      </p:sp>
+      <p:sp>
+        <p:nvSpPr>
+          <p:cNvPr id="3" name="Notizenplatzhalter 2"/>
+          <p:cNvSpPr>
+            <a:spLocks noGrp="1"/>
+          </p:cNvSpPr>
+          <p:nvPr>
+            <p:ph type="body" idx="1"/>
+          </p:nvPr>
+        </p:nvSpPr>
+        <p:spPr/>
+        <p:txBody>
+          <a:bodyPr/>
+          <a:lstStyle/>
+          <a:p>
+            <a:r>
+              <a:rPr lang="de-DE" dirty="0"/>
+              <a:t>Hier wird die Arbeitsweise beschrieben, welche allerdings schon vorgegeben ist.</a:t>
+            </a:r>
+          </a:p>
+        </p:txBody>
+      </p:sp>
+      <p:sp>
+        <p:nvSpPr>
+          <p:cNvPr id="4" name="Foliennummernplatzhalter 3"/>
+          <p:cNvSpPr>
+            <a:spLocks noGrp="1"/>
+          </p:cNvSpPr>
+          <p:nvPr>
+            <p:ph type="sldNum" sz="quarter" idx="5"/>
+          </p:nvPr>
+        </p:nvSpPr>
+        <p:spPr/>
+        <p:txBody>
+          <a:bodyPr/>
+          <a:lstStyle/>
+          <a:p>
+            <a:fld id="{95A47417-3D48-4616-B213-E6A51DA46F7C}" type="slidenum">
+              <a:rPr lang="de-DE" smtClean="0"/>
+              <a:t>5</a:t>
+            </a:fld>
+            <a:endParaRPr lang="de-DE"/>
+          </a:p>
+        </p:txBody>
+      </p:sp>
+    </p:spTree>
+    <p:extLst>
+      <p:ext uri="{BB962C8B-B14F-4D97-AF65-F5344CB8AC3E}">
+        <p14:creationId xmlns:p14="http://schemas.microsoft.com/office/powerpoint/2010/main" val="3388342347"/>
+      </p:ext>
+    </p:extLst>
+  </p:cSld>
+  <p:clrMapOvr>
+    <a:masterClrMapping/>
+  </p:clrMapOvr>
+</p:notes>
+</file>
+
+<file path=ppt/notesSlides/notesSlide5.xml><?xml version="1.0" encoding="utf-8"?>
+<p:notes xmlns:a="http://schemas.openxmlformats.org/drawingml/2006/main" xmlns:r="http://schemas.openxmlformats.org/officeDocument/2006/relationships" xmlns:p="http://schemas.openxmlformats.org/presentationml/2006/main">
+  <p:cSld>
+    <p:spTree>
+      <p:nvGrpSpPr>
+        <p:cNvPr id="1" name=""/>
+        <p:cNvGrpSpPr/>
+        <p:nvPr/>
+      </p:nvGrpSpPr>
+      <p:grpSpPr>
+        <a:xfrm>
+          <a:off x="0" y="0"/>
+          <a:ext cx="0" cy="0"/>
+          <a:chOff x="0" y="0"/>
+          <a:chExt cx="0" cy="0"/>
+        </a:xfrm>
+      </p:grpSpPr>
+      <p:sp>
+        <p:nvSpPr>
+          <p:cNvPr id="2" name="Folienbildplatzhalter 1"/>
+          <p:cNvSpPr>
+            <a:spLocks noGrp="1" noRot="1" noChangeAspect="1"/>
+          </p:cNvSpPr>
+          <p:nvPr>
+            <p:ph type="sldImg"/>
+          </p:nvPr>
+        </p:nvSpPr>
+        <p:spPr/>
+      </p:sp>
+      <p:sp>
+        <p:nvSpPr>
+          <p:cNvPr id="3" name="Notizenplatzhalter 2"/>
+          <p:cNvSpPr>
+            <a:spLocks noGrp="1"/>
+          </p:cNvSpPr>
+          <p:nvPr>
+            <p:ph type="body" idx="1"/>
+          </p:nvPr>
+        </p:nvSpPr>
+        <p:spPr/>
+        <p:txBody>
+          <a:bodyPr/>
+          <a:lstStyle/>
+          <a:p>
+            <a:r>
+              <a:rPr lang="de-DE" dirty="0"/>
+              <a:t>Das Domänenmodell ist im wesentlichem dazu da, um zu verstehen was alles unter die Domäne bzw. den Problembereich fällt.</a:t>
+            </a:r>
+          </a:p>
+        </p:txBody>
+      </p:sp>
+      <p:sp>
+        <p:nvSpPr>
+          <p:cNvPr id="4" name="Foliennummernplatzhalter 3"/>
+          <p:cNvSpPr>
+            <a:spLocks noGrp="1"/>
+          </p:cNvSpPr>
+          <p:nvPr>
+            <p:ph type="sldNum" sz="quarter" idx="5"/>
+          </p:nvPr>
+        </p:nvSpPr>
+        <p:spPr/>
+        <p:txBody>
+          <a:bodyPr/>
+          <a:lstStyle/>
+          <a:p>
+            <a:fld id="{95A47417-3D48-4616-B213-E6A51DA46F7C}" type="slidenum">
+              <a:rPr lang="de-DE" smtClean="0"/>
+              <a:t>6</a:t>
+            </a:fld>
+            <a:endParaRPr lang="de-DE"/>
+          </a:p>
+        </p:txBody>
+      </p:sp>
+    </p:spTree>
+    <p:extLst>
+      <p:ext uri="{BB962C8B-B14F-4D97-AF65-F5344CB8AC3E}">
+        <p14:creationId xmlns:p14="http://schemas.microsoft.com/office/powerpoint/2010/main" val="1906360907"/>
+      </p:ext>
+    </p:extLst>
+  </p:cSld>
+  <p:clrMapOvr>
+    <a:masterClrMapping/>
+  </p:clrMapOvr>
+</p:notes>
+</file>
+
+<file path=ppt/notesSlides/notesSlide6.xml><?xml version="1.0" encoding="utf-8"?>
+<p:notes xmlns:a="http://schemas.openxmlformats.org/drawingml/2006/main" xmlns:r="http://schemas.openxmlformats.org/officeDocument/2006/relationships" xmlns:p="http://schemas.openxmlformats.org/presentationml/2006/main">
+  <p:cSld>
+    <p:spTree>
+      <p:nvGrpSpPr>
+        <p:cNvPr id="1" name=""/>
+        <p:cNvGrpSpPr/>
+        <p:nvPr/>
+      </p:nvGrpSpPr>
+      <p:grpSpPr>
+        <a:xfrm>
+          <a:off x="0" y="0"/>
+          <a:ext cx="0" cy="0"/>
+          <a:chOff x="0" y="0"/>
+          <a:chExt cx="0" cy="0"/>
+        </a:xfrm>
+      </p:grpSpPr>
+      <p:sp>
+        <p:nvSpPr>
+          <p:cNvPr id="2" name="Folienbildplatzhalter 1"/>
+          <p:cNvSpPr>
+            <a:spLocks noGrp="1" noRot="1" noChangeAspect="1"/>
+          </p:cNvSpPr>
+          <p:nvPr>
+            <p:ph type="sldImg"/>
+          </p:nvPr>
+        </p:nvSpPr>
+        <p:spPr/>
+      </p:sp>
+      <p:sp>
+        <p:nvSpPr>
+          <p:cNvPr id="3" name="Notizenplatzhalter 2"/>
+          <p:cNvSpPr>
+            <a:spLocks noGrp="1"/>
+          </p:cNvSpPr>
+          <p:nvPr>
+            <p:ph type="body" idx="1"/>
+          </p:nvPr>
+        </p:nvSpPr>
+        <p:spPr/>
+        <p:txBody>
+          <a:bodyPr/>
+          <a:lstStyle/>
+          <a:p>
+            <a:r>
+              <a:rPr lang="de-DE" dirty="0"/>
+              <a:t>Eine der ersten Version um zu verstehen was alles unter unseren Problembereich fällt. Mittlerweile verworfen, da die Systemauswertung in dieser Form nicht als Komponente dargestellt werden sollte.</a:t>
+            </a:r>
+          </a:p>
+        </p:txBody>
+      </p:sp>
+      <p:sp>
+        <p:nvSpPr>
+          <p:cNvPr id="4" name="Foliennummernplatzhalter 3"/>
+          <p:cNvSpPr>
+            <a:spLocks noGrp="1"/>
+          </p:cNvSpPr>
+          <p:nvPr>
+            <p:ph type="sldNum" sz="quarter" idx="5"/>
+          </p:nvPr>
+        </p:nvSpPr>
+        <p:spPr/>
+        <p:txBody>
+          <a:bodyPr/>
+          <a:lstStyle/>
+          <a:p>
+            <a:fld id="{95A47417-3D48-4616-B213-E6A51DA46F7C}" type="slidenum">
+              <a:rPr lang="de-DE" smtClean="0"/>
+              <a:t>7</a:t>
+            </a:fld>
+            <a:endParaRPr lang="de-DE"/>
+          </a:p>
+        </p:txBody>
+      </p:sp>
+    </p:spTree>
+    <p:extLst>
+      <p:ext uri="{BB962C8B-B14F-4D97-AF65-F5344CB8AC3E}">
+        <p14:creationId xmlns:p14="http://schemas.microsoft.com/office/powerpoint/2010/main" val="3750727561"/>
+      </p:ext>
+    </p:extLst>
+  </p:cSld>
+  <p:clrMapOvr>
+    <a:masterClrMapping/>
+  </p:clrMapOvr>
+</p:notes>
+</file>
+
+<file path=ppt/notesSlides/notesSlide7.xml><?xml version="1.0" encoding="utf-8"?>
+<p:notes xmlns:a="http://schemas.openxmlformats.org/drawingml/2006/main" xmlns:r="http://schemas.openxmlformats.org/officeDocument/2006/relationships" xmlns:p="http://schemas.openxmlformats.org/presentationml/2006/main">
+  <p:cSld>
+    <p:spTree>
+      <p:nvGrpSpPr>
+        <p:cNvPr id="1" name=""/>
+        <p:cNvGrpSpPr/>
+        <p:nvPr/>
+      </p:nvGrpSpPr>
+      <p:grpSpPr>
+        <a:xfrm>
+          <a:off x="0" y="0"/>
+          <a:ext cx="0" cy="0"/>
+          <a:chOff x="0" y="0"/>
+          <a:chExt cx="0" cy="0"/>
+        </a:xfrm>
+      </p:grpSpPr>
+      <p:sp>
+        <p:nvSpPr>
+          <p:cNvPr id="2" name="Folienbildplatzhalter 1"/>
+          <p:cNvSpPr>
+            <a:spLocks noGrp="1" noRot="1" noChangeAspect="1"/>
+          </p:cNvSpPr>
+          <p:nvPr>
+            <p:ph type="sldImg"/>
+          </p:nvPr>
+        </p:nvSpPr>
+        <p:spPr/>
+      </p:sp>
+      <p:sp>
+        <p:nvSpPr>
+          <p:cNvPr id="3" name="Notizenplatzhalter 2"/>
+          <p:cNvSpPr>
+            <a:spLocks noGrp="1"/>
+          </p:cNvSpPr>
+          <p:nvPr>
+            <p:ph type="body" idx="1"/>
+          </p:nvPr>
+        </p:nvSpPr>
+        <p:spPr/>
+        <p:txBody>
+          <a:bodyPr/>
+          <a:lstStyle/>
+          <a:p>
+            <a:r>
+              <a:rPr lang="de-DE" dirty="0"/>
+              <a:t>Weiterentwicklung der vorherigen Version des Domänenmodells. Die Überlegen dahinter war, dass wir noch die externen Daten in unserem System brauchen, welche vorher nicht zu sehen waren. Mittlerweile auch verworfen wegen der Systemauswertung.</a:t>
+            </a:r>
+          </a:p>
+        </p:txBody>
+      </p:sp>
+      <p:sp>
+        <p:nvSpPr>
+          <p:cNvPr id="4" name="Foliennummernplatzhalter 3"/>
+          <p:cNvSpPr>
+            <a:spLocks noGrp="1"/>
+          </p:cNvSpPr>
+          <p:nvPr>
+            <p:ph type="sldNum" sz="quarter" idx="5"/>
+          </p:nvPr>
+        </p:nvSpPr>
+        <p:spPr/>
+        <p:txBody>
+          <a:bodyPr/>
+          <a:lstStyle/>
+          <a:p>
+            <a:fld id="{95A47417-3D48-4616-B213-E6A51DA46F7C}" type="slidenum">
+              <a:rPr lang="de-DE" smtClean="0"/>
+              <a:t>8</a:t>
+            </a:fld>
+            <a:endParaRPr lang="de-DE"/>
+          </a:p>
+        </p:txBody>
+      </p:sp>
+    </p:spTree>
+    <p:extLst>
+      <p:ext uri="{BB962C8B-B14F-4D97-AF65-F5344CB8AC3E}">
+        <p14:creationId xmlns:p14="http://schemas.microsoft.com/office/powerpoint/2010/main" val="2630433030"/>
+      </p:ext>
+    </p:extLst>
+  </p:cSld>
+  <p:clrMapOvr>
+    <a:masterClrMapping/>
+  </p:clrMapOvr>
+</p:notes>
+</file>
+
+<file path=ppt/notesSlides/notesSlide8.xml><?xml version="1.0" encoding="utf-8"?>
+<p:notes xmlns:a="http://schemas.openxmlformats.org/drawingml/2006/main" xmlns:r="http://schemas.openxmlformats.org/officeDocument/2006/relationships" xmlns:p="http://schemas.openxmlformats.org/presentationml/2006/main">
+  <p:cSld>
+    <p:spTree>
+      <p:nvGrpSpPr>
+        <p:cNvPr id="1" name=""/>
+        <p:cNvGrpSpPr/>
+        <p:nvPr/>
+      </p:nvGrpSpPr>
+      <p:grpSpPr>
+        <a:xfrm>
+          <a:off x="0" y="0"/>
+          <a:ext cx="0" cy="0"/>
+          <a:chOff x="0" y="0"/>
+          <a:chExt cx="0" cy="0"/>
+        </a:xfrm>
+      </p:grpSpPr>
+      <p:sp>
+        <p:nvSpPr>
+          <p:cNvPr id="2" name="Folienbildplatzhalter 1"/>
+          <p:cNvSpPr>
+            <a:spLocks noGrp="1" noRot="1" noChangeAspect="1"/>
+          </p:cNvSpPr>
+          <p:nvPr>
+            <p:ph type="sldImg"/>
+          </p:nvPr>
+        </p:nvSpPr>
+        <p:spPr/>
+      </p:sp>
+      <p:sp>
+        <p:nvSpPr>
+          <p:cNvPr id="3" name="Notizenplatzhalter 2"/>
+          <p:cNvSpPr>
+            <a:spLocks noGrp="1"/>
+          </p:cNvSpPr>
+          <p:nvPr>
+            <p:ph type="body" idx="1"/>
+          </p:nvPr>
+        </p:nvSpPr>
+        <p:spPr/>
+        <p:txBody>
+          <a:bodyPr/>
+          <a:lstStyle/>
+          <a:p>
+            <a:r>
+              <a:rPr lang="de-DE" dirty="0"/>
+              <a:t>Aktuelle einfache Version des Domänenmodells.</a:t>
+            </a:r>
+          </a:p>
+          <a:p>
+            <a:r>
+              <a:rPr lang="de-DE" dirty="0"/>
+              <a:t>Zu unserem Problembereich gehört eine Nutzereingabe, welche Lebensmittel enthält, die der Nutzer zur Verfügung hat und zu denen er passende Mahlzeiten(Gerichte) ausgegeben haben will. Zudem gehört zur Nutzereingabe noch die Angabe einer Ausgabelänge, da der Nutzer angeben können soll wie viele Mahlzeiten/Gerichte ihm später angezeigt werden.</a:t>
+            </a:r>
+          </a:p>
+          <a:p>
+            <a:r>
+              <a:rPr lang="de-DE" dirty="0"/>
+              <a:t>Als Nächstes nimmt das System die Nutzereingabe entgegen und Greift dann über einen externen Webservice auf die Daten Lebensmittel + Nährwerte und Gerichte zu. </a:t>
+            </a:r>
+          </a:p>
+          <a:p>
+            <a:r>
+              <a:rPr lang="de-DE" dirty="0"/>
+              <a:t>Das System generiert nun einen Mehrwert, indem es auf beide Datensätze zugreift und mit Hilfe der Nutzereingabe eine Ausgabe erstellt, welche Gerichte enthält, die auf Basis der Nutzereingabe ausgewählt werden und zusätzlich die Nährwerte für alle Gerichte berechnet. Dies passiert indem man abgleicht, welche Lebensmittel in den Gerichten enthalten sind und die Nährwerte der einzelnen Lebensmittel addiert.</a:t>
+            </a:r>
+          </a:p>
+        </p:txBody>
+      </p:sp>
+      <p:sp>
+        <p:nvSpPr>
+          <p:cNvPr id="4" name="Foliennummernplatzhalter 3"/>
+          <p:cNvSpPr>
+            <a:spLocks noGrp="1"/>
+          </p:cNvSpPr>
+          <p:nvPr>
+            <p:ph type="sldNum" sz="quarter" idx="5"/>
+          </p:nvPr>
+        </p:nvSpPr>
+        <p:spPr/>
+        <p:txBody>
+          <a:bodyPr/>
+          <a:lstStyle/>
+          <a:p>
+            <a:fld id="{95A47417-3D48-4616-B213-E6A51DA46F7C}" type="slidenum">
+              <a:rPr lang="de-DE" smtClean="0"/>
+              <a:t>9</a:t>
+            </a:fld>
+            <a:endParaRPr lang="de-DE"/>
+          </a:p>
+        </p:txBody>
+      </p:sp>
+    </p:spTree>
+    <p:extLst>
+      <p:ext uri="{BB962C8B-B14F-4D97-AF65-F5344CB8AC3E}">
+        <p14:creationId xmlns:p14="http://schemas.microsoft.com/office/powerpoint/2010/main" val="1617492624"/>
+      </p:ext>
+    </p:extLst>
+  </p:cSld>
+  <p:clrMapOvr>
+    <a:masterClrMapping/>
+  </p:clrMapOvr>
+</p:notes>
+</file>
+
+<file path=ppt/notesSlides/notesSlide9.xml><?xml version="1.0" encoding="utf-8"?>
+<p:notes xmlns:a="http://schemas.openxmlformats.org/drawingml/2006/main" xmlns:r="http://schemas.openxmlformats.org/officeDocument/2006/relationships" xmlns:p="http://schemas.openxmlformats.org/presentationml/2006/main">
+  <p:cSld>
+    <p:spTree>
+      <p:nvGrpSpPr>
+        <p:cNvPr id="1" name=""/>
+        <p:cNvGrpSpPr/>
+        <p:nvPr/>
+      </p:nvGrpSpPr>
+      <p:grpSpPr>
+        <a:xfrm>
+          <a:off x="0" y="0"/>
+          <a:ext cx="0" cy="0"/>
+          <a:chOff x="0" y="0"/>
+          <a:chExt cx="0" cy="0"/>
+        </a:xfrm>
+      </p:grpSpPr>
+      <p:sp>
+        <p:nvSpPr>
+          <p:cNvPr id="2" name="Folienbildplatzhalter 1"/>
+          <p:cNvSpPr>
+            <a:spLocks noGrp="1" noRot="1" noChangeAspect="1"/>
+          </p:cNvSpPr>
+          <p:nvPr>
+            <p:ph type="sldImg"/>
+          </p:nvPr>
+        </p:nvSpPr>
+        <p:spPr/>
+      </p:sp>
+      <p:sp>
+        <p:nvSpPr>
+          <p:cNvPr id="3" name="Notizenplatzhalter 2"/>
+          <p:cNvSpPr>
+            <a:spLocks noGrp="1"/>
+          </p:cNvSpPr>
+          <p:nvPr>
+            <p:ph type="body" idx="1"/>
+          </p:nvPr>
+        </p:nvSpPr>
+        <p:spPr/>
+        <p:txBody>
+          <a:bodyPr/>
+          <a:lstStyle/>
+          <a:p>
+            <a:r>
+              <a:rPr lang="de-DE" dirty="0"/>
+              <a:t>Unsere Rest-Modellierung besteht aus folgenden Schritten: </a:t>
+            </a:r>
+          </a:p>
+          <a:p>
+            <a:pPr marL="228600" indent="-228600">
+              <a:buAutoNum type="arabicPeriod"/>
+            </a:pPr>
+            <a:r>
+              <a:rPr lang="de-DE" dirty="0"/>
+              <a:t>Ressourcendefinition. </a:t>
+            </a:r>
+          </a:p>
+          <a:p>
+            <a:pPr marL="0" indent="0">
+              <a:buNone/>
+            </a:pPr>
+            <a:r>
+              <a:rPr lang="de-DE" dirty="0"/>
+              <a:t>2. Angabe der Parameter und Definition der URLs. </a:t>
+            </a:r>
+          </a:p>
+          <a:p>
+            <a:pPr marL="0" indent="0">
+              <a:buNone/>
+            </a:pPr>
+            <a:r>
+              <a:rPr lang="de-DE" dirty="0"/>
+              <a:t>3. Verlinkung der einzelnen Parameter (wenn sinnvoll).</a:t>
+            </a:r>
+          </a:p>
+          <a:p>
+            <a:pPr marL="0" indent="0">
+              <a:buNone/>
+            </a:pPr>
+            <a:r>
+              <a:rPr lang="de-DE" dirty="0"/>
+              <a:t>4. Erläuterung der Verben und mögliche HTTP-Statuscodes bei der Abfrage</a:t>
+            </a:r>
+          </a:p>
+          <a:p>
+            <a:pPr marL="0" indent="0">
+              <a:buNone/>
+            </a:pPr>
+            <a:r>
+              <a:rPr lang="de-DE" dirty="0"/>
+              <a:t>5. Verwendung der Verben (Welche sind für die jeweiligen Ressourcen sinnvoll)</a:t>
+            </a:r>
+          </a:p>
+          <a:p>
+            <a:pPr marL="0" indent="0">
+              <a:buNone/>
+            </a:pPr>
+            <a:r>
+              <a:rPr lang="de-DE" dirty="0"/>
+              <a:t>6. Repräsentation. (Wie sollen die Ressourcen nach GET-Abfrage repräsentiert werden)</a:t>
+            </a:r>
+          </a:p>
+        </p:txBody>
+      </p:sp>
+      <p:sp>
+        <p:nvSpPr>
+          <p:cNvPr id="4" name="Foliennummernplatzhalter 3"/>
+          <p:cNvSpPr>
+            <a:spLocks noGrp="1"/>
+          </p:cNvSpPr>
+          <p:nvPr>
+            <p:ph type="sldNum" sz="quarter" idx="5"/>
+          </p:nvPr>
+        </p:nvSpPr>
+        <p:spPr/>
+        <p:txBody>
+          <a:bodyPr/>
+          <a:lstStyle/>
+          <a:p>
+            <a:fld id="{95A47417-3D48-4616-B213-E6A51DA46F7C}" type="slidenum">
+              <a:rPr lang="de-DE" smtClean="0"/>
+              <a:t>10</a:t>
+            </a:fld>
+            <a:endParaRPr lang="de-DE"/>
+          </a:p>
+        </p:txBody>
+      </p:sp>
+    </p:spTree>
+    <p:extLst>
+      <p:ext uri="{BB962C8B-B14F-4D97-AF65-F5344CB8AC3E}">
+        <p14:creationId xmlns:p14="http://schemas.microsoft.com/office/powerpoint/2010/main" val="3077785959"/>
+      </p:ext>
+    </p:extLst>
+  </p:cSld>
+  <p:clrMapOvr>
+    <a:masterClrMapping/>
+  </p:clrMapOvr>
+</p:notes>
+</file>
+
 <file path=ppt/slideLayouts/slideLayout1.xml><?xml version="1.0" encoding="utf-8"?>
 <p:sldLayout xmlns:a="http://schemas.openxmlformats.org/drawingml/2006/main" xmlns:r="http://schemas.openxmlformats.org/officeDocument/2006/relationships" xmlns:p="http://schemas.openxmlformats.org/presentationml/2006/main" type="title" preserve="1">
   <p:cSld name="Titelfolie">
@@ -307,7 +1902,7 @@
             <a:fld id="{B61BEF0D-F0BB-DE4B-95CE-6DB70DBA9567}" type="datetimeFigureOut">
               <a:rPr lang="en-US" smtClean="0"/>
               <a:pPr/>
-              <a:t>5/7/2019</a:t>
+              <a:t>5/13/2019</a:t>
             </a:fld>
             <a:endParaRPr lang="en-US" dirty="0"/>
           </a:p>
@@ -507,7 +2102,7 @@
             <a:fld id="{B61BEF0D-F0BB-DE4B-95CE-6DB70DBA9567}" type="datetimeFigureOut">
               <a:rPr lang="en-US" smtClean="0"/>
               <a:pPr/>
-              <a:t>5/7/2019</a:t>
+              <a:t>5/13/2019</a:t>
             </a:fld>
             <a:endParaRPr lang="en-US" dirty="0"/>
           </a:p>
@@ -717,7 +2312,7 @@
             <a:fld id="{B61BEF0D-F0BB-DE4B-95CE-6DB70DBA9567}" type="datetimeFigureOut">
               <a:rPr lang="en-US" smtClean="0"/>
               <a:pPr/>
-              <a:t>5/7/2019</a:t>
+              <a:t>5/13/2019</a:t>
             </a:fld>
             <a:endParaRPr lang="en-US" dirty="0"/>
           </a:p>
@@ -917,7 +2512,7 @@
             <a:fld id="{B61BEF0D-F0BB-DE4B-95CE-6DB70DBA9567}" type="datetimeFigureOut">
               <a:rPr lang="en-US" smtClean="0"/>
               <a:pPr/>
-              <a:t>5/7/2019</a:t>
+              <a:t>5/13/2019</a:t>
             </a:fld>
             <a:endParaRPr lang="en-US" dirty="0"/>
           </a:p>
@@ -1194,7 +2789,7 @@
             <a:fld id="{B61BEF0D-F0BB-DE4B-95CE-6DB70DBA9567}" type="datetimeFigureOut">
               <a:rPr lang="en-US" smtClean="0"/>
               <a:pPr/>
-              <a:t>5/7/2019</a:t>
+              <a:t>5/13/2019</a:t>
             </a:fld>
             <a:endParaRPr lang="en-US" dirty="0"/>
           </a:p>
@@ -1461,7 +3056,7 @@
             <a:fld id="{B61BEF0D-F0BB-DE4B-95CE-6DB70DBA9567}" type="datetimeFigureOut">
               <a:rPr lang="en-US" smtClean="0"/>
               <a:pPr/>
-              <a:t>5/7/2019</a:t>
+              <a:t>5/13/2019</a:t>
             </a:fld>
             <a:endParaRPr lang="en-US" dirty="0"/>
           </a:p>
@@ -1875,7 +3470,7 @@
             <a:fld id="{B61BEF0D-F0BB-DE4B-95CE-6DB70DBA9567}" type="datetimeFigureOut">
               <a:rPr lang="en-US" smtClean="0"/>
               <a:pPr/>
-              <a:t>5/7/2019</a:t>
+              <a:t>5/13/2019</a:t>
             </a:fld>
             <a:endParaRPr lang="en-US" dirty="0"/>
           </a:p>
@@ -2018,7 +3613,7 @@
             <a:fld id="{B61BEF0D-F0BB-DE4B-95CE-6DB70DBA9567}" type="datetimeFigureOut">
               <a:rPr lang="en-US" smtClean="0"/>
               <a:pPr/>
-              <a:t>5/7/2019</a:t>
+              <a:t>5/13/2019</a:t>
             </a:fld>
             <a:endParaRPr lang="en-US" dirty="0"/>
           </a:p>
@@ -2133,7 +3728,7 @@
             <a:fld id="{B61BEF0D-F0BB-DE4B-95CE-6DB70DBA9567}" type="datetimeFigureOut">
               <a:rPr lang="en-US" smtClean="0"/>
               <a:pPr/>
-              <a:t>5/7/2019</a:t>
+              <a:t>5/13/2019</a:t>
             </a:fld>
             <a:endParaRPr lang="en-US" dirty="0"/>
           </a:p>
@@ -2446,7 +4041,7 @@
             <a:fld id="{B61BEF0D-F0BB-DE4B-95CE-6DB70DBA9567}" type="datetimeFigureOut">
               <a:rPr lang="en-US" smtClean="0"/>
               <a:pPr/>
-              <a:t>5/7/2019</a:t>
+              <a:t>5/13/2019</a:t>
             </a:fld>
             <a:endParaRPr lang="en-US" dirty="0"/>
           </a:p>
@@ -2736,7 +4331,7 @@
             <a:fld id="{B61BEF0D-F0BB-DE4B-95CE-6DB70DBA9567}" type="datetimeFigureOut">
               <a:rPr lang="en-US" smtClean="0"/>
               <a:pPr/>
-              <a:t>5/7/2019</a:t>
+              <a:t>5/13/2019</a:t>
             </a:fld>
             <a:endParaRPr lang="en-US" dirty="0"/>
           </a:p>
@@ -2979,7 +4574,7 @@
             <a:fld id="{B61BEF0D-F0BB-DE4B-95CE-6DB70DBA9567}" type="datetimeFigureOut">
               <a:rPr lang="en-US" smtClean="0"/>
               <a:pPr/>
-              <a:t>5/7/2019</a:t>
+              <a:t>5/13/2019</a:t>
             </a:fld>
             <a:endParaRPr lang="en-US" dirty="0"/>
           </a:p>
@@ -3786,7 +5381,7 @@
           <p:nvPr/>
         </p:nvPicPr>
         <p:blipFill rotWithShape="1">
-          <a:blip r:embed="rId2"/>
+          <a:blip r:embed="rId3"/>
           <a:srcRect l="19821" t="15375" r="6404" b="6122"/>
           <a:stretch/>
         </p:blipFill>
@@ -3845,7 +5440,7 @@
           <p:nvPr/>
         </p:nvPicPr>
         <p:blipFill rotWithShape="1">
-          <a:blip r:embed="rId2"/>
+          <a:blip r:embed="rId3"/>
           <a:srcRect l="8395" t="15657" r="8969" b="6788"/>
           <a:stretch/>
         </p:blipFill>
@@ -3904,7 +5499,7 @@
           <p:nvPr/>
         </p:nvPicPr>
         <p:blipFill rotWithShape="1">
-          <a:blip r:embed="rId2"/>
+          <a:blip r:embed="rId3"/>
           <a:srcRect l="16307" t="15536" r="17018" b="7032"/>
           <a:stretch/>
         </p:blipFill>
@@ -4050,7 +5645,7 @@
           <p:nvPr/>
         </p:nvPicPr>
         <p:blipFill rotWithShape="1">
-          <a:blip r:embed="rId2"/>
+          <a:blip r:embed="rId3"/>
           <a:srcRect l="34133" t="58403" r="43597" b="32245"/>
           <a:stretch/>
         </p:blipFill>
@@ -4556,7 +6151,7 @@
           <p:nvPr/>
         </p:nvPicPr>
         <p:blipFill>
-          <a:blip r:embed="rId2"/>
+          <a:blip r:embed="rId3"/>
           <a:stretch>
             <a:fillRect/>
           </a:stretch>
@@ -4649,7 +6244,7 @@
           <p:nvPr/>
         </p:nvPicPr>
         <p:blipFill>
-          <a:blip r:embed="rId2"/>
+          <a:blip r:embed="rId3"/>
           <a:stretch>
             <a:fillRect/>
           </a:stretch>
@@ -4742,7 +6337,7 @@
           <p:nvPr/>
         </p:nvPicPr>
         <p:blipFill>
-          <a:blip r:embed="rId2"/>
+          <a:blip r:embed="rId3"/>
           <a:stretch>
             <a:fillRect/>
           </a:stretch>
@@ -5063,4 +6658,299 @@
     </a:ext>
   </a:extLst>
 </a:theme>
+</file>
+
+<file path=ppt/theme/theme2.xml><?xml version="1.0" encoding="utf-8"?>
+<a:theme xmlns:a="http://schemas.openxmlformats.org/drawingml/2006/main" name="Office">
+  <a:themeElements>
+    <a:clrScheme name="Office">
+      <a:dk1>
+        <a:sysClr val="windowText" lastClr="000000"/>
+      </a:dk1>
+      <a:lt1>
+        <a:sysClr val="window" lastClr="FFFFFF"/>
+      </a:lt1>
+      <a:dk2>
+        <a:srgbClr val="44546A"/>
+      </a:dk2>
+      <a:lt2>
+        <a:srgbClr val="E7E6E6"/>
+      </a:lt2>
+      <a:accent1>
+        <a:srgbClr val="4472C4"/>
+      </a:accent1>
+      <a:accent2>
+        <a:srgbClr val="ED7D31"/>
+      </a:accent2>
+      <a:accent3>
+        <a:srgbClr val="A5A5A5"/>
+      </a:accent3>
+      <a:accent4>
+        <a:srgbClr val="FFC000"/>
+      </a:accent4>
+      <a:accent5>
+        <a:srgbClr val="5B9BD5"/>
+      </a:accent5>
+      <a:accent6>
+        <a:srgbClr val="70AD47"/>
+      </a:accent6>
+      <a:hlink>
+        <a:srgbClr val="0563C1"/>
+      </a:hlink>
+      <a:folHlink>
+        <a:srgbClr val="954F72"/>
+      </a:folHlink>
+    </a:clrScheme>
+    <a:fontScheme name="Office">
+      <a:majorFont>
+        <a:latin typeface="Calibri Light" panose="020F0302020204030204"/>
+        <a:ea typeface=""/>
+        <a:cs typeface=""/>
+        <a:font script="Jpan" typeface="游ゴシック Light"/>
+        <a:font script="Hang" typeface="맑은 고딕"/>
+        <a:font script="Hans" typeface="等线 Light"/>
+        <a:font script="Hant" typeface="新細明體"/>
+        <a:font script="Arab" typeface="Times New Roman"/>
+        <a:font script="Hebr" typeface="Times New Roman"/>
+        <a:font script="Thai" typeface="Angsana New"/>
+        <a:font script="Ethi" typeface="Nyala"/>
+        <a:font script="Beng" typeface="Vrinda"/>
+        <a:font script="Gujr" typeface="Shruti"/>
+        <a:font script="Khmr" typeface="MoolBoran"/>
+        <a:font script="Knda" typeface="Tunga"/>
+        <a:font script="Guru" typeface="Raavi"/>
+        <a:font script="Cans" typeface="Euphemia"/>
+        <a:font script="Cher" typeface="Plantagenet Cherokee"/>
+        <a:font script="Yiii" typeface="Microsoft Yi Baiti"/>
+        <a:font script="Tibt" typeface="Microsoft Himalaya"/>
+        <a:font script="Thaa" typeface="MV Boli"/>
+        <a:font script="Deva" typeface="Mangal"/>
+        <a:font script="Telu" typeface="Gautami"/>
+        <a:font script="Taml" typeface="Latha"/>
+        <a:font script="Syrc" typeface="Estrangelo Edessa"/>
+        <a:font script="Orya" typeface="Kalinga"/>
+        <a:font script="Mlym" typeface="Kartika"/>
+        <a:font script="Laoo" typeface="DokChampa"/>
+        <a:font script="Sinh" typeface="Iskoola Pota"/>
+        <a:font script="Mong" typeface="Mongolian Baiti"/>
+        <a:font script="Viet" typeface="Times New Roman"/>
+        <a:font script="Uigh" typeface="Microsoft Uighur"/>
+        <a:font script="Geor" typeface="Sylfaen"/>
+        <a:font script="Armn" typeface="Arial"/>
+        <a:font script="Bugi" typeface="Leelawadee UI"/>
+        <a:font script="Bopo" typeface="Microsoft JhengHei"/>
+        <a:font script="Java" typeface="Javanese Text"/>
+        <a:font script="Lisu" typeface="Segoe UI"/>
+        <a:font script="Mymr" typeface="Myanmar Text"/>
+        <a:font script="Nkoo" typeface="Ebrima"/>
+        <a:font script="Olck" typeface="Nirmala UI"/>
+        <a:font script="Osma" typeface="Ebrima"/>
+        <a:font script="Phag" typeface="Phagspa"/>
+        <a:font script="Syrn" typeface="Estrangelo Edessa"/>
+        <a:font script="Syrj" typeface="Estrangelo Edessa"/>
+        <a:font script="Syre" typeface="Estrangelo Edessa"/>
+        <a:font script="Sora" typeface="Nirmala UI"/>
+        <a:font script="Tale" typeface="Microsoft Tai Le"/>
+        <a:font script="Talu" typeface="Microsoft New Tai Lue"/>
+        <a:font script="Tfng" typeface="Ebrima"/>
+      </a:majorFont>
+      <a:minorFont>
+        <a:latin typeface="Calibri" panose="020F0502020204030204"/>
+        <a:ea typeface=""/>
+        <a:cs typeface=""/>
+        <a:font script="Jpan" typeface="游ゴシック"/>
+        <a:font script="Hang" typeface="맑은 고딕"/>
+        <a:font script="Hans" typeface="等线"/>
+        <a:font script="Hant" typeface="新細明體"/>
+        <a:font script="Arab" typeface="Arial"/>
+        <a:font script="Hebr" typeface="Arial"/>
+        <a:font script="Thai" typeface="Cordia New"/>
+        <a:font script="Ethi" typeface="Nyala"/>
+        <a:font script="Beng" typeface="Vrinda"/>
+        <a:font script="Gujr" typeface="Shruti"/>
+        <a:font script="Khmr" typeface="DaunPenh"/>
+        <a:font script="Knda" typeface="Tunga"/>
+        <a:font script="Guru" typeface="Raavi"/>
+        <a:font script="Cans" typeface="Euphemia"/>
+        <a:font script="Cher" typeface="Plantagenet Cherokee"/>
+        <a:font script="Yiii" typeface="Microsoft Yi Baiti"/>
+        <a:font script="Tibt" typeface="Microsoft Himalaya"/>
+        <a:font script="Thaa" typeface="MV Boli"/>
+        <a:font script="Deva" typeface="Mangal"/>
+        <a:font script="Telu" typeface="Gautami"/>
+        <a:font script="Taml" typeface="Latha"/>
+        <a:font script="Syrc" typeface="Estrangelo Edessa"/>
+        <a:font script="Orya" typeface="Kalinga"/>
+        <a:font script="Mlym" typeface="Kartika"/>
+        <a:font script="Laoo" typeface="DokChampa"/>
+        <a:font script="Sinh" typeface="Iskoola Pota"/>
+        <a:font script="Mong" typeface="Mongolian Baiti"/>
+        <a:font script="Viet" typeface="Arial"/>
+        <a:font script="Uigh" typeface="Microsoft Uighur"/>
+        <a:font script="Geor" typeface="Sylfaen"/>
+        <a:font script="Armn" typeface="Arial"/>
+        <a:font script="Bugi" typeface="Leelawadee UI"/>
+        <a:font script="Bopo" typeface="Microsoft JhengHei"/>
+        <a:font script="Java" typeface="Javanese Text"/>
+        <a:font script="Lisu" typeface="Segoe UI"/>
+        <a:font script="Mymr" typeface="Myanmar Text"/>
+        <a:font script="Nkoo" typeface="Ebrima"/>
+        <a:font script="Olck" typeface="Nirmala UI"/>
+        <a:font script="Osma" typeface="Ebrima"/>
+        <a:font script="Phag" typeface="Phagspa"/>
+        <a:font script="Syrn" typeface="Estrangelo Edessa"/>
+        <a:font script="Syrj" typeface="Estrangelo Edessa"/>
+        <a:font script="Syre" typeface="Estrangelo Edessa"/>
+        <a:font script="Sora" typeface="Nirmala UI"/>
+        <a:font script="Tale" typeface="Microsoft Tai Le"/>
+        <a:font script="Talu" typeface="Microsoft New Tai Lue"/>
+        <a:font script="Tfng" typeface="Ebrima"/>
+      </a:minorFont>
+    </a:fontScheme>
+    <a:fmtScheme name="Office">
+      <a:fillStyleLst>
+        <a:solidFill>
+          <a:schemeClr val="phClr"/>
+        </a:solidFill>
+        <a:gradFill rotWithShape="1">
+          <a:gsLst>
+            <a:gs pos="0">
+              <a:schemeClr val="phClr">
+                <a:lumMod val="110000"/>
+                <a:satMod val="105000"/>
+                <a:tint val="67000"/>
+              </a:schemeClr>
+            </a:gs>
+            <a:gs pos="50000">
+              <a:schemeClr val="phClr">
+                <a:lumMod val="105000"/>
+                <a:satMod val="103000"/>
+                <a:tint val="73000"/>
+              </a:schemeClr>
+            </a:gs>
+            <a:gs pos="100000">
+              <a:schemeClr val="phClr">
+                <a:lumMod val="105000"/>
+                <a:satMod val="109000"/>
+                <a:tint val="81000"/>
+              </a:schemeClr>
+            </a:gs>
+          </a:gsLst>
+          <a:lin ang="5400000" scaled="0"/>
+        </a:gradFill>
+        <a:gradFill rotWithShape="1">
+          <a:gsLst>
+            <a:gs pos="0">
+              <a:schemeClr val="phClr">
+                <a:satMod val="103000"/>
+                <a:lumMod val="102000"/>
+                <a:tint val="94000"/>
+              </a:schemeClr>
+            </a:gs>
+            <a:gs pos="50000">
+              <a:schemeClr val="phClr">
+                <a:satMod val="110000"/>
+                <a:lumMod val="100000"/>
+                <a:shade val="100000"/>
+              </a:schemeClr>
+            </a:gs>
+            <a:gs pos="100000">
+              <a:schemeClr val="phClr">
+                <a:lumMod val="99000"/>
+                <a:satMod val="120000"/>
+                <a:shade val="78000"/>
+              </a:schemeClr>
+            </a:gs>
+          </a:gsLst>
+          <a:lin ang="5400000" scaled="0"/>
+        </a:gradFill>
+      </a:fillStyleLst>
+      <a:lnStyleLst>
+        <a:ln w="6350" cap="flat" cmpd="sng" algn="ctr">
+          <a:solidFill>
+            <a:schemeClr val="phClr"/>
+          </a:solidFill>
+          <a:prstDash val="solid"/>
+          <a:miter lim="800000"/>
+        </a:ln>
+        <a:ln w="12700" cap="flat" cmpd="sng" algn="ctr">
+          <a:solidFill>
+            <a:schemeClr val="phClr"/>
+          </a:solidFill>
+          <a:prstDash val="solid"/>
+          <a:miter lim="800000"/>
+        </a:ln>
+        <a:ln w="19050" cap="flat" cmpd="sng" algn="ctr">
+          <a:solidFill>
+            <a:schemeClr val="phClr"/>
+          </a:solidFill>
+          <a:prstDash val="solid"/>
+          <a:miter lim="800000"/>
+        </a:ln>
+      </a:lnStyleLst>
+      <a:effectStyleLst>
+        <a:effectStyle>
+          <a:effectLst/>
+        </a:effectStyle>
+        <a:effectStyle>
+          <a:effectLst/>
+        </a:effectStyle>
+        <a:effectStyle>
+          <a:effectLst>
+            <a:outerShdw blurRad="57150" dist="19050" dir="5400000" algn="ctr" rotWithShape="0">
+              <a:srgbClr val="000000">
+                <a:alpha val="63000"/>
+              </a:srgbClr>
+            </a:outerShdw>
+          </a:effectLst>
+        </a:effectStyle>
+      </a:effectStyleLst>
+      <a:bgFillStyleLst>
+        <a:solidFill>
+          <a:schemeClr val="phClr"/>
+        </a:solidFill>
+        <a:solidFill>
+          <a:schemeClr val="phClr">
+            <a:tint val="95000"/>
+            <a:satMod val="170000"/>
+          </a:schemeClr>
+        </a:solidFill>
+        <a:gradFill rotWithShape="1">
+          <a:gsLst>
+            <a:gs pos="0">
+              <a:schemeClr val="phClr">
+                <a:tint val="93000"/>
+                <a:satMod val="150000"/>
+                <a:shade val="98000"/>
+                <a:lumMod val="102000"/>
+              </a:schemeClr>
+            </a:gs>
+            <a:gs pos="50000">
+              <a:schemeClr val="phClr">
+                <a:tint val="98000"/>
+                <a:satMod val="130000"/>
+                <a:shade val="90000"/>
+                <a:lumMod val="103000"/>
+              </a:schemeClr>
+            </a:gs>
+            <a:gs pos="100000">
+              <a:schemeClr val="phClr">
+                <a:shade val="63000"/>
+                <a:satMod val="120000"/>
+              </a:schemeClr>
+            </a:gs>
+          </a:gsLst>
+          <a:lin ang="5400000" scaled="0"/>
+        </a:gradFill>
+      </a:bgFillStyleLst>
+    </a:fmtScheme>
+  </a:themeElements>
+  <a:objectDefaults/>
+  <a:extraClrSchemeLst/>
+  <a:extLst>
+    <a:ext uri="{05A4C25C-085E-4340-85A3-A5531E510DB2}">
+      <thm15:themeFamily xmlns:thm15="http://schemas.microsoft.com/office/thememl/2012/main" name="Office Theme" id="{62F939B6-93AF-4DB8-9C6B-D6C7DFDC589F}" vid="{4A3C46E8-61CC-4603-A589-7422A47A8E4A}"/>
+    </a:ext>
+  </a:extLst>
+</a:theme>
 </file>
--- a/präsentation_ms1.pptx
+++ b/präsentation_ms1.pptx
@@ -557,7 +557,7 @@
           <a:p>
             <a:r>
               <a:rPr lang="de-DE" dirty="0"/>
-              <a:t>Eine Projektdefinition/Exposé besteht im wesentlichen aus den folgenden Schritten: 1. Problemstellung. Hier wird das das eine Problemstellung beschrieben welche dann durch das Projekt gelöst werden soll. 2. Das Ziel des Projekts. Hier wird beschrieben was mit dem Projekt erreicht werden soll. 3. Das Vorgehen. Hier wird die Arbeitsweise während des Projekts beschrieben.</a:t>
+              <a:t>Eine Projektdefinition/Exposé besteht im wesentlichen aus den folgenden Schritten: 1. Problemstellung. Hier wird eine Problemstellung beschrieben, welche dann durch das Projekt gelöst werden soll. 2. Das Ziel des Projekts. Hier wird beschrieben was durch das Projekt erreicht werden soll. 3. Das Vorgehen. Hier wird die Arbeitsweise während des Projekts beschrieben.</a:t>
             </a:r>
           </a:p>
         </p:txBody>
@@ -1119,7 +1119,15 @@
           <a:p>
             <a:r>
               <a:rPr lang="de-DE" dirty="0"/>
-              <a:t>Hier wird die Lösung der Problemstellung definiert. Mit der zu entwickelnden Software soll es möglich sein Mahlzeiten auf Grund der einem noch zu Verfügung stehenden Lebensmittel auszuwählen, außerdem sollen einem die Nährwerte der Mahlzeiten die angezeigt werden ausgeben werden.</a:t>
+              <a:t>Hier wird die Lösung der Problemstellung definiert. Mit der zu entwickelnden Software soll es möglich sein Mahlzeiten einzusehen, die auf den noch zu Verfügung stehenden Lebensmittel basiert. Zudem soll es möglich sein die Ausgabe an Gerichten zu beschränken. Außerdem sollen einem die Nährwerte der Mahlzeiten die angezeigt werden ausgeben werden. Optional könnte man das System </a:t>
+            </a:r>
+            <a:r>
+              <a:rPr lang="de-DE" dirty="0" err="1"/>
+              <a:t>z.b</a:t>
+            </a:r>
+            <a:r>
+              <a:rPr lang="de-DE" dirty="0"/>
+              <a:t> auf weitere Filtereinstellungen erweitern.</a:t>
             </a:r>
           </a:p>
         </p:txBody>
@@ -5874,7 +5882,7 @@
           <a:p>
             <a:r>
               <a:rPr lang="de-DE" dirty="0"/>
-              <a:t>Gerichtvorschläge werden auf Basis der angegebenen vorhandenen Lebensmittel    ausgegeben</a:t>
+              <a:t>Gerichtvorschläge werden auf Basis der angegebenen vorhandenen Lebensmittel  ausgegeben</a:t>
             </a:r>
           </a:p>
           <a:p>
